--- a/team20_phase3_slide+proj_arch.pptx
+++ b/team20_phase3_slide+proj_arch.pptx
@@ -6,6 +6,7 @@
   </p:sldMasterIdLst>
   <p:sldIdLst>
     <p:sldId id="256" r:id="rId2"/>
+    <p:sldId id="258" r:id="rId3"/>
   </p:sldIdLst>
   <p:sldSz cx="12192000" cy="6858000"/>
   <p:notesSz cx="6858000" cy="9144000"/>
@@ -104,6 +105,11 @@
       </a:defRPr>
     </a:lvl9pPr>
   </p:defaultTextStyle>
+  <p:extLst>
+    <p:ext uri="{EFAFB233-063F-42B5-8137-9DF3F51BA10A}">
+      <p15:sldGuideLst xmlns:p15="http://schemas.microsoft.com/office/powerpoint/2012/main"/>
+    </p:ext>
+  </p:extLst>
 </p:presentation>
 </file>
 
@@ -129,7 +135,7 @@
           <p:cNvPr id="2" name="제목 1">
             <a:extLst>
               <a:ext uri="{FF2B5EF4-FFF2-40B4-BE49-F238E27FC236}">
-                <a16:creationId xmlns:a16="http://schemas.microsoft.com/office/drawing/2014/main" id="{CBEF70C7-78AE-4CF9-ACDB-06AF1544AEC5}"/>
+                <a16:creationId xmlns:a16="http://schemas.microsoft.com/office/drawing/2014/main" xmlns="" id="{CBEF70C7-78AE-4CF9-ACDB-06AF1544AEC5}"/>
               </a:ext>
             </a:extLst>
           </p:cNvPr>
@@ -166,7 +172,7 @@
           <p:cNvPr id="3" name="부제목 2">
             <a:extLst>
               <a:ext uri="{FF2B5EF4-FFF2-40B4-BE49-F238E27FC236}">
-                <a16:creationId xmlns:a16="http://schemas.microsoft.com/office/drawing/2014/main" id="{115EC349-7859-4451-B2ED-537EA89BFD94}"/>
+                <a16:creationId xmlns:a16="http://schemas.microsoft.com/office/drawing/2014/main" xmlns="" id="{115EC349-7859-4451-B2ED-537EA89BFD94}"/>
               </a:ext>
             </a:extLst>
           </p:cNvPr>
@@ -236,7 +242,7 @@
           <p:cNvPr id="4" name="날짜 개체 틀 3">
             <a:extLst>
               <a:ext uri="{FF2B5EF4-FFF2-40B4-BE49-F238E27FC236}">
-                <a16:creationId xmlns:a16="http://schemas.microsoft.com/office/drawing/2014/main" id="{EB32FC28-1D47-448E-98F1-D522EC1D2D98}"/>
+                <a16:creationId xmlns:a16="http://schemas.microsoft.com/office/drawing/2014/main" xmlns="" id="{EB32FC28-1D47-448E-98F1-D522EC1D2D98}"/>
               </a:ext>
             </a:extLst>
           </p:cNvPr>
@@ -254,7 +260,7 @@
           <a:p>
             <a:fld id="{DDE86182-4FA7-44E1-9009-0C2EA3AFD44B}" type="datetimeFigureOut">
               <a:rPr lang="ko-KR" altLang="en-US" smtClean="0"/>
-              <a:t>2019-05-31</a:t>
+              <a:t>2019-06-10</a:t>
             </a:fld>
             <a:endParaRPr lang="ko-KR" altLang="en-US"/>
           </a:p>
@@ -265,7 +271,7 @@
           <p:cNvPr id="5" name="바닥글 개체 틀 4">
             <a:extLst>
               <a:ext uri="{FF2B5EF4-FFF2-40B4-BE49-F238E27FC236}">
-                <a16:creationId xmlns:a16="http://schemas.microsoft.com/office/drawing/2014/main" id="{9F4D58E3-873A-4647-A8B2-E339E7CD6823}"/>
+                <a16:creationId xmlns:a16="http://schemas.microsoft.com/office/drawing/2014/main" xmlns="" id="{9F4D58E3-873A-4647-A8B2-E339E7CD6823}"/>
               </a:ext>
             </a:extLst>
           </p:cNvPr>
@@ -290,7 +296,7 @@
           <p:cNvPr id="6" name="슬라이드 번호 개체 틀 5">
             <a:extLst>
               <a:ext uri="{FF2B5EF4-FFF2-40B4-BE49-F238E27FC236}">
-                <a16:creationId xmlns:a16="http://schemas.microsoft.com/office/drawing/2014/main" id="{EE5D7BB0-CB9F-4CB8-BB45-5310CA7BA4BA}"/>
+                <a16:creationId xmlns:a16="http://schemas.microsoft.com/office/drawing/2014/main" xmlns="" id="{EE5D7BB0-CB9F-4CB8-BB45-5310CA7BA4BA}"/>
               </a:ext>
             </a:extLst>
           </p:cNvPr>
@@ -349,7 +355,7 @@
           <p:cNvPr id="2" name="제목 1">
             <a:extLst>
               <a:ext uri="{FF2B5EF4-FFF2-40B4-BE49-F238E27FC236}">
-                <a16:creationId xmlns:a16="http://schemas.microsoft.com/office/drawing/2014/main" id="{0E55E6B2-4A45-4BBA-BA6E-3B656A2433DD}"/>
+                <a16:creationId xmlns:a16="http://schemas.microsoft.com/office/drawing/2014/main" xmlns="" id="{0E55E6B2-4A45-4BBA-BA6E-3B656A2433DD}"/>
               </a:ext>
             </a:extLst>
           </p:cNvPr>
@@ -377,7 +383,7 @@
           <p:cNvPr id="3" name="세로 텍스트 개체 틀 2">
             <a:extLst>
               <a:ext uri="{FF2B5EF4-FFF2-40B4-BE49-F238E27FC236}">
-                <a16:creationId xmlns:a16="http://schemas.microsoft.com/office/drawing/2014/main" id="{9DDAF897-57CA-4A98-A771-8444575DB3E5}"/>
+                <a16:creationId xmlns:a16="http://schemas.microsoft.com/office/drawing/2014/main" xmlns="" id="{9DDAF897-57CA-4A98-A771-8444575DB3E5}"/>
               </a:ext>
             </a:extLst>
           </p:cNvPr>
@@ -434,7 +440,7 @@
           <p:cNvPr id="4" name="날짜 개체 틀 3">
             <a:extLst>
               <a:ext uri="{FF2B5EF4-FFF2-40B4-BE49-F238E27FC236}">
-                <a16:creationId xmlns:a16="http://schemas.microsoft.com/office/drawing/2014/main" id="{77B270B3-7FF9-4D09-B9D8-AE084A761BF8}"/>
+                <a16:creationId xmlns:a16="http://schemas.microsoft.com/office/drawing/2014/main" xmlns="" id="{77B270B3-7FF9-4D09-B9D8-AE084A761BF8}"/>
               </a:ext>
             </a:extLst>
           </p:cNvPr>
@@ -452,7 +458,7 @@
           <a:p>
             <a:fld id="{DDE86182-4FA7-44E1-9009-0C2EA3AFD44B}" type="datetimeFigureOut">
               <a:rPr lang="ko-KR" altLang="en-US" smtClean="0"/>
-              <a:t>2019-05-31</a:t>
+              <a:t>2019-06-10</a:t>
             </a:fld>
             <a:endParaRPr lang="ko-KR" altLang="en-US"/>
           </a:p>
@@ -463,7 +469,7 @@
           <p:cNvPr id="5" name="바닥글 개체 틀 4">
             <a:extLst>
               <a:ext uri="{FF2B5EF4-FFF2-40B4-BE49-F238E27FC236}">
-                <a16:creationId xmlns:a16="http://schemas.microsoft.com/office/drawing/2014/main" id="{2BF5F1F8-A534-4166-B9CE-E241CC6B44BD}"/>
+                <a16:creationId xmlns:a16="http://schemas.microsoft.com/office/drawing/2014/main" xmlns="" id="{2BF5F1F8-A534-4166-B9CE-E241CC6B44BD}"/>
               </a:ext>
             </a:extLst>
           </p:cNvPr>
@@ -488,7 +494,7 @@
           <p:cNvPr id="6" name="슬라이드 번호 개체 틀 5">
             <a:extLst>
               <a:ext uri="{FF2B5EF4-FFF2-40B4-BE49-F238E27FC236}">
-                <a16:creationId xmlns:a16="http://schemas.microsoft.com/office/drawing/2014/main" id="{07A20123-B2E8-449A-BFF7-4038D47829B1}"/>
+                <a16:creationId xmlns:a16="http://schemas.microsoft.com/office/drawing/2014/main" xmlns="" id="{07A20123-B2E8-449A-BFF7-4038D47829B1}"/>
               </a:ext>
             </a:extLst>
           </p:cNvPr>
@@ -547,7 +553,7 @@
           <p:cNvPr id="2" name="세로 제목 1">
             <a:extLst>
               <a:ext uri="{FF2B5EF4-FFF2-40B4-BE49-F238E27FC236}">
-                <a16:creationId xmlns:a16="http://schemas.microsoft.com/office/drawing/2014/main" id="{8934E19A-9914-4FB7-9F78-D1040F4B6B55}"/>
+                <a16:creationId xmlns:a16="http://schemas.microsoft.com/office/drawing/2014/main" xmlns="" id="{8934E19A-9914-4FB7-9F78-D1040F4B6B55}"/>
               </a:ext>
             </a:extLst>
           </p:cNvPr>
@@ -580,7 +586,7 @@
           <p:cNvPr id="3" name="세로 텍스트 개체 틀 2">
             <a:extLst>
               <a:ext uri="{FF2B5EF4-FFF2-40B4-BE49-F238E27FC236}">
-                <a16:creationId xmlns:a16="http://schemas.microsoft.com/office/drawing/2014/main" id="{AA8C40E4-63FC-4819-823C-9696433D724A}"/>
+                <a16:creationId xmlns:a16="http://schemas.microsoft.com/office/drawing/2014/main" xmlns="" id="{AA8C40E4-63FC-4819-823C-9696433D724A}"/>
               </a:ext>
             </a:extLst>
           </p:cNvPr>
@@ -642,7 +648,7 @@
           <p:cNvPr id="4" name="날짜 개체 틀 3">
             <a:extLst>
               <a:ext uri="{FF2B5EF4-FFF2-40B4-BE49-F238E27FC236}">
-                <a16:creationId xmlns:a16="http://schemas.microsoft.com/office/drawing/2014/main" id="{7A75EBC2-AF0A-4A69-9375-8CF04CFDB2E9}"/>
+                <a16:creationId xmlns:a16="http://schemas.microsoft.com/office/drawing/2014/main" xmlns="" id="{7A75EBC2-AF0A-4A69-9375-8CF04CFDB2E9}"/>
               </a:ext>
             </a:extLst>
           </p:cNvPr>
@@ -660,7 +666,7 @@
           <a:p>
             <a:fld id="{DDE86182-4FA7-44E1-9009-0C2EA3AFD44B}" type="datetimeFigureOut">
               <a:rPr lang="ko-KR" altLang="en-US" smtClean="0"/>
-              <a:t>2019-05-31</a:t>
+              <a:t>2019-06-10</a:t>
             </a:fld>
             <a:endParaRPr lang="ko-KR" altLang="en-US"/>
           </a:p>
@@ -671,7 +677,7 @@
           <p:cNvPr id="5" name="바닥글 개체 틀 4">
             <a:extLst>
               <a:ext uri="{FF2B5EF4-FFF2-40B4-BE49-F238E27FC236}">
-                <a16:creationId xmlns:a16="http://schemas.microsoft.com/office/drawing/2014/main" id="{AA4D6793-C9CD-4DA1-B5A5-F305C9284000}"/>
+                <a16:creationId xmlns:a16="http://schemas.microsoft.com/office/drawing/2014/main" xmlns="" id="{AA4D6793-C9CD-4DA1-B5A5-F305C9284000}"/>
               </a:ext>
             </a:extLst>
           </p:cNvPr>
@@ -696,7 +702,7 @@
           <p:cNvPr id="6" name="슬라이드 번호 개체 틀 5">
             <a:extLst>
               <a:ext uri="{FF2B5EF4-FFF2-40B4-BE49-F238E27FC236}">
-                <a16:creationId xmlns:a16="http://schemas.microsoft.com/office/drawing/2014/main" id="{73F7B546-8E04-4851-ADD6-E0AF937DA4D8}"/>
+                <a16:creationId xmlns:a16="http://schemas.microsoft.com/office/drawing/2014/main" xmlns="" id="{73F7B546-8E04-4851-ADD6-E0AF937DA4D8}"/>
               </a:ext>
             </a:extLst>
           </p:cNvPr>
@@ -755,7 +761,7 @@
           <p:cNvPr id="2" name="제목 1">
             <a:extLst>
               <a:ext uri="{FF2B5EF4-FFF2-40B4-BE49-F238E27FC236}">
-                <a16:creationId xmlns:a16="http://schemas.microsoft.com/office/drawing/2014/main" id="{495CF2BB-09A6-4FB7-95FE-C2A838C2A302}"/>
+                <a16:creationId xmlns:a16="http://schemas.microsoft.com/office/drawing/2014/main" xmlns="" id="{495CF2BB-09A6-4FB7-95FE-C2A838C2A302}"/>
               </a:ext>
             </a:extLst>
           </p:cNvPr>
@@ -783,7 +789,7 @@
           <p:cNvPr id="3" name="내용 개체 틀 2">
             <a:extLst>
               <a:ext uri="{FF2B5EF4-FFF2-40B4-BE49-F238E27FC236}">
-                <a16:creationId xmlns:a16="http://schemas.microsoft.com/office/drawing/2014/main" id="{1EBE7974-A96D-481C-B91C-A5CE8BE899B0}"/>
+                <a16:creationId xmlns:a16="http://schemas.microsoft.com/office/drawing/2014/main" xmlns="" id="{1EBE7974-A96D-481C-B91C-A5CE8BE899B0}"/>
               </a:ext>
             </a:extLst>
           </p:cNvPr>
@@ -840,7 +846,7 @@
           <p:cNvPr id="4" name="날짜 개체 틀 3">
             <a:extLst>
               <a:ext uri="{FF2B5EF4-FFF2-40B4-BE49-F238E27FC236}">
-                <a16:creationId xmlns:a16="http://schemas.microsoft.com/office/drawing/2014/main" id="{A9B227A7-8D86-4956-BEB6-DD5FE00E1EB5}"/>
+                <a16:creationId xmlns:a16="http://schemas.microsoft.com/office/drawing/2014/main" xmlns="" id="{A9B227A7-8D86-4956-BEB6-DD5FE00E1EB5}"/>
               </a:ext>
             </a:extLst>
           </p:cNvPr>
@@ -858,7 +864,7 @@
           <a:p>
             <a:fld id="{DDE86182-4FA7-44E1-9009-0C2EA3AFD44B}" type="datetimeFigureOut">
               <a:rPr lang="ko-KR" altLang="en-US" smtClean="0"/>
-              <a:t>2019-05-31</a:t>
+              <a:t>2019-06-10</a:t>
             </a:fld>
             <a:endParaRPr lang="ko-KR" altLang="en-US"/>
           </a:p>
@@ -869,7 +875,7 @@
           <p:cNvPr id="5" name="바닥글 개체 틀 4">
             <a:extLst>
               <a:ext uri="{FF2B5EF4-FFF2-40B4-BE49-F238E27FC236}">
-                <a16:creationId xmlns:a16="http://schemas.microsoft.com/office/drawing/2014/main" id="{EB9A8035-C912-43B2-AB75-E23B59C3B3D4}"/>
+                <a16:creationId xmlns:a16="http://schemas.microsoft.com/office/drawing/2014/main" xmlns="" id="{EB9A8035-C912-43B2-AB75-E23B59C3B3D4}"/>
               </a:ext>
             </a:extLst>
           </p:cNvPr>
@@ -894,7 +900,7 @@
           <p:cNvPr id="6" name="슬라이드 번호 개체 틀 5">
             <a:extLst>
               <a:ext uri="{FF2B5EF4-FFF2-40B4-BE49-F238E27FC236}">
-                <a16:creationId xmlns:a16="http://schemas.microsoft.com/office/drawing/2014/main" id="{F2BB669E-C55B-4D83-B801-BCBD87C0EED1}"/>
+                <a16:creationId xmlns:a16="http://schemas.microsoft.com/office/drawing/2014/main" xmlns="" id="{F2BB669E-C55B-4D83-B801-BCBD87C0EED1}"/>
               </a:ext>
             </a:extLst>
           </p:cNvPr>
@@ -953,7 +959,7 @@
           <p:cNvPr id="2" name="제목 1">
             <a:extLst>
               <a:ext uri="{FF2B5EF4-FFF2-40B4-BE49-F238E27FC236}">
-                <a16:creationId xmlns:a16="http://schemas.microsoft.com/office/drawing/2014/main" id="{DC528A40-DF73-46E2-9927-AF44612DDD8D}"/>
+                <a16:creationId xmlns:a16="http://schemas.microsoft.com/office/drawing/2014/main" xmlns="" id="{DC528A40-DF73-46E2-9927-AF44612DDD8D}"/>
               </a:ext>
             </a:extLst>
           </p:cNvPr>
@@ -990,7 +996,7 @@
           <p:cNvPr id="3" name="텍스트 개체 틀 2">
             <a:extLst>
               <a:ext uri="{FF2B5EF4-FFF2-40B4-BE49-F238E27FC236}">
-                <a16:creationId xmlns:a16="http://schemas.microsoft.com/office/drawing/2014/main" id="{5F51547A-D8DC-459E-B27C-1A5209CF38EA}"/>
+                <a16:creationId xmlns:a16="http://schemas.microsoft.com/office/drawing/2014/main" xmlns="" id="{5F51547A-D8DC-459E-B27C-1A5209CF38EA}"/>
               </a:ext>
             </a:extLst>
           </p:cNvPr>
@@ -1115,7 +1121,7 @@
           <p:cNvPr id="4" name="날짜 개체 틀 3">
             <a:extLst>
               <a:ext uri="{FF2B5EF4-FFF2-40B4-BE49-F238E27FC236}">
-                <a16:creationId xmlns:a16="http://schemas.microsoft.com/office/drawing/2014/main" id="{AAB55B49-05A4-49B1-BBDC-414A09B5999C}"/>
+                <a16:creationId xmlns:a16="http://schemas.microsoft.com/office/drawing/2014/main" xmlns="" id="{AAB55B49-05A4-49B1-BBDC-414A09B5999C}"/>
               </a:ext>
             </a:extLst>
           </p:cNvPr>
@@ -1133,7 +1139,7 @@
           <a:p>
             <a:fld id="{DDE86182-4FA7-44E1-9009-0C2EA3AFD44B}" type="datetimeFigureOut">
               <a:rPr lang="ko-KR" altLang="en-US" smtClean="0"/>
-              <a:t>2019-05-31</a:t>
+              <a:t>2019-06-10</a:t>
             </a:fld>
             <a:endParaRPr lang="ko-KR" altLang="en-US"/>
           </a:p>
@@ -1144,7 +1150,7 @@
           <p:cNvPr id="5" name="바닥글 개체 틀 4">
             <a:extLst>
               <a:ext uri="{FF2B5EF4-FFF2-40B4-BE49-F238E27FC236}">
-                <a16:creationId xmlns:a16="http://schemas.microsoft.com/office/drawing/2014/main" id="{BF9CF775-50E0-4916-B0D9-36371EAECA6A}"/>
+                <a16:creationId xmlns:a16="http://schemas.microsoft.com/office/drawing/2014/main" xmlns="" id="{BF9CF775-50E0-4916-B0D9-36371EAECA6A}"/>
               </a:ext>
             </a:extLst>
           </p:cNvPr>
@@ -1169,7 +1175,7 @@
           <p:cNvPr id="6" name="슬라이드 번호 개체 틀 5">
             <a:extLst>
               <a:ext uri="{FF2B5EF4-FFF2-40B4-BE49-F238E27FC236}">
-                <a16:creationId xmlns:a16="http://schemas.microsoft.com/office/drawing/2014/main" id="{50D8B228-DD36-4D38-A4D0-AAB4A19EFFAB}"/>
+                <a16:creationId xmlns:a16="http://schemas.microsoft.com/office/drawing/2014/main" xmlns="" id="{50D8B228-DD36-4D38-A4D0-AAB4A19EFFAB}"/>
               </a:ext>
             </a:extLst>
           </p:cNvPr>
@@ -1228,7 +1234,7 @@
           <p:cNvPr id="2" name="제목 1">
             <a:extLst>
               <a:ext uri="{FF2B5EF4-FFF2-40B4-BE49-F238E27FC236}">
-                <a16:creationId xmlns:a16="http://schemas.microsoft.com/office/drawing/2014/main" id="{90C43CEE-2003-4C07-9266-A23B875F2374}"/>
+                <a16:creationId xmlns:a16="http://schemas.microsoft.com/office/drawing/2014/main" xmlns="" id="{90C43CEE-2003-4C07-9266-A23B875F2374}"/>
               </a:ext>
             </a:extLst>
           </p:cNvPr>
@@ -1256,7 +1262,7 @@
           <p:cNvPr id="3" name="내용 개체 틀 2">
             <a:extLst>
               <a:ext uri="{FF2B5EF4-FFF2-40B4-BE49-F238E27FC236}">
-                <a16:creationId xmlns:a16="http://schemas.microsoft.com/office/drawing/2014/main" id="{66420CA9-EEC6-47FE-8A9A-84F2498B5370}"/>
+                <a16:creationId xmlns:a16="http://schemas.microsoft.com/office/drawing/2014/main" xmlns="" id="{66420CA9-EEC6-47FE-8A9A-84F2498B5370}"/>
               </a:ext>
             </a:extLst>
           </p:cNvPr>
@@ -1318,7 +1324,7 @@
           <p:cNvPr id="4" name="내용 개체 틀 3">
             <a:extLst>
               <a:ext uri="{FF2B5EF4-FFF2-40B4-BE49-F238E27FC236}">
-                <a16:creationId xmlns:a16="http://schemas.microsoft.com/office/drawing/2014/main" id="{FF3EB58D-6581-4706-82C4-689BAF25C8C5}"/>
+                <a16:creationId xmlns:a16="http://schemas.microsoft.com/office/drawing/2014/main" xmlns="" id="{FF3EB58D-6581-4706-82C4-689BAF25C8C5}"/>
               </a:ext>
             </a:extLst>
           </p:cNvPr>
@@ -1380,7 +1386,7 @@
           <p:cNvPr id="5" name="날짜 개체 틀 4">
             <a:extLst>
               <a:ext uri="{FF2B5EF4-FFF2-40B4-BE49-F238E27FC236}">
-                <a16:creationId xmlns:a16="http://schemas.microsoft.com/office/drawing/2014/main" id="{1A6A55EA-2D85-4EA1-BC54-E2DBE7237512}"/>
+                <a16:creationId xmlns:a16="http://schemas.microsoft.com/office/drawing/2014/main" xmlns="" id="{1A6A55EA-2D85-4EA1-BC54-E2DBE7237512}"/>
               </a:ext>
             </a:extLst>
           </p:cNvPr>
@@ -1398,7 +1404,7 @@
           <a:p>
             <a:fld id="{DDE86182-4FA7-44E1-9009-0C2EA3AFD44B}" type="datetimeFigureOut">
               <a:rPr lang="ko-KR" altLang="en-US" smtClean="0"/>
-              <a:t>2019-05-31</a:t>
+              <a:t>2019-06-10</a:t>
             </a:fld>
             <a:endParaRPr lang="ko-KR" altLang="en-US"/>
           </a:p>
@@ -1409,7 +1415,7 @@
           <p:cNvPr id="6" name="바닥글 개체 틀 5">
             <a:extLst>
               <a:ext uri="{FF2B5EF4-FFF2-40B4-BE49-F238E27FC236}">
-                <a16:creationId xmlns:a16="http://schemas.microsoft.com/office/drawing/2014/main" id="{8DC827F3-59A7-49CE-AE08-1E6B7C594161}"/>
+                <a16:creationId xmlns:a16="http://schemas.microsoft.com/office/drawing/2014/main" xmlns="" id="{8DC827F3-59A7-49CE-AE08-1E6B7C594161}"/>
               </a:ext>
             </a:extLst>
           </p:cNvPr>
@@ -1434,7 +1440,7 @@
           <p:cNvPr id="7" name="슬라이드 번호 개체 틀 6">
             <a:extLst>
               <a:ext uri="{FF2B5EF4-FFF2-40B4-BE49-F238E27FC236}">
-                <a16:creationId xmlns:a16="http://schemas.microsoft.com/office/drawing/2014/main" id="{15C4828D-C1C3-46E4-A57E-618F9B80A8A9}"/>
+                <a16:creationId xmlns:a16="http://schemas.microsoft.com/office/drawing/2014/main" xmlns="" id="{15C4828D-C1C3-46E4-A57E-618F9B80A8A9}"/>
               </a:ext>
             </a:extLst>
           </p:cNvPr>
@@ -1493,7 +1499,7 @@
           <p:cNvPr id="2" name="제목 1">
             <a:extLst>
               <a:ext uri="{FF2B5EF4-FFF2-40B4-BE49-F238E27FC236}">
-                <a16:creationId xmlns:a16="http://schemas.microsoft.com/office/drawing/2014/main" id="{BDAE4EC6-7F2D-4CD3-9B55-99F1AC6DA2EC}"/>
+                <a16:creationId xmlns:a16="http://schemas.microsoft.com/office/drawing/2014/main" xmlns="" id="{BDAE4EC6-7F2D-4CD3-9B55-99F1AC6DA2EC}"/>
               </a:ext>
             </a:extLst>
           </p:cNvPr>
@@ -1526,7 +1532,7 @@
           <p:cNvPr id="3" name="텍스트 개체 틀 2">
             <a:extLst>
               <a:ext uri="{FF2B5EF4-FFF2-40B4-BE49-F238E27FC236}">
-                <a16:creationId xmlns:a16="http://schemas.microsoft.com/office/drawing/2014/main" id="{BB4B0E41-D88D-4EDA-9AFB-FC0B4F491143}"/>
+                <a16:creationId xmlns:a16="http://schemas.microsoft.com/office/drawing/2014/main" xmlns="" id="{BB4B0E41-D88D-4EDA-9AFB-FC0B4F491143}"/>
               </a:ext>
             </a:extLst>
           </p:cNvPr>
@@ -1597,7 +1603,7 @@
           <p:cNvPr id="4" name="내용 개체 틀 3">
             <a:extLst>
               <a:ext uri="{FF2B5EF4-FFF2-40B4-BE49-F238E27FC236}">
-                <a16:creationId xmlns:a16="http://schemas.microsoft.com/office/drawing/2014/main" id="{9D026380-2FA4-4251-8F25-14E3642E7FE5}"/>
+                <a16:creationId xmlns:a16="http://schemas.microsoft.com/office/drawing/2014/main" xmlns="" id="{9D026380-2FA4-4251-8F25-14E3642E7FE5}"/>
               </a:ext>
             </a:extLst>
           </p:cNvPr>
@@ -1659,7 +1665,7 @@
           <p:cNvPr id="5" name="텍스트 개체 틀 4">
             <a:extLst>
               <a:ext uri="{FF2B5EF4-FFF2-40B4-BE49-F238E27FC236}">
-                <a16:creationId xmlns:a16="http://schemas.microsoft.com/office/drawing/2014/main" id="{3FB36EE2-CE49-437F-919C-3A5D04B4E87B}"/>
+                <a16:creationId xmlns:a16="http://schemas.microsoft.com/office/drawing/2014/main" xmlns="" id="{3FB36EE2-CE49-437F-919C-3A5D04B4E87B}"/>
               </a:ext>
             </a:extLst>
           </p:cNvPr>
@@ -1730,7 +1736,7 @@
           <p:cNvPr id="6" name="내용 개체 틀 5">
             <a:extLst>
               <a:ext uri="{FF2B5EF4-FFF2-40B4-BE49-F238E27FC236}">
-                <a16:creationId xmlns:a16="http://schemas.microsoft.com/office/drawing/2014/main" id="{F39B27BF-9590-4C1D-8D69-767A19AD085C}"/>
+                <a16:creationId xmlns:a16="http://schemas.microsoft.com/office/drawing/2014/main" xmlns="" id="{F39B27BF-9590-4C1D-8D69-767A19AD085C}"/>
               </a:ext>
             </a:extLst>
           </p:cNvPr>
@@ -1792,7 +1798,7 @@
           <p:cNvPr id="7" name="날짜 개체 틀 6">
             <a:extLst>
               <a:ext uri="{FF2B5EF4-FFF2-40B4-BE49-F238E27FC236}">
-                <a16:creationId xmlns:a16="http://schemas.microsoft.com/office/drawing/2014/main" id="{194EC93A-B122-492A-8EF7-B083C98009B0}"/>
+                <a16:creationId xmlns:a16="http://schemas.microsoft.com/office/drawing/2014/main" xmlns="" id="{194EC93A-B122-492A-8EF7-B083C98009B0}"/>
               </a:ext>
             </a:extLst>
           </p:cNvPr>
@@ -1810,7 +1816,7 @@
           <a:p>
             <a:fld id="{DDE86182-4FA7-44E1-9009-0C2EA3AFD44B}" type="datetimeFigureOut">
               <a:rPr lang="ko-KR" altLang="en-US" smtClean="0"/>
-              <a:t>2019-05-31</a:t>
+              <a:t>2019-06-10</a:t>
             </a:fld>
             <a:endParaRPr lang="ko-KR" altLang="en-US"/>
           </a:p>
@@ -1821,7 +1827,7 @@
           <p:cNvPr id="8" name="바닥글 개체 틀 7">
             <a:extLst>
               <a:ext uri="{FF2B5EF4-FFF2-40B4-BE49-F238E27FC236}">
-                <a16:creationId xmlns:a16="http://schemas.microsoft.com/office/drawing/2014/main" id="{71E3A9CE-B07C-4188-A4A6-8D917D5272DB}"/>
+                <a16:creationId xmlns:a16="http://schemas.microsoft.com/office/drawing/2014/main" xmlns="" id="{71E3A9CE-B07C-4188-A4A6-8D917D5272DB}"/>
               </a:ext>
             </a:extLst>
           </p:cNvPr>
@@ -1846,7 +1852,7 @@
           <p:cNvPr id="9" name="슬라이드 번호 개체 틀 8">
             <a:extLst>
               <a:ext uri="{FF2B5EF4-FFF2-40B4-BE49-F238E27FC236}">
-                <a16:creationId xmlns:a16="http://schemas.microsoft.com/office/drawing/2014/main" id="{B4133177-1A74-458C-B1BD-29EC7A5AF83A}"/>
+                <a16:creationId xmlns:a16="http://schemas.microsoft.com/office/drawing/2014/main" xmlns="" id="{B4133177-1A74-458C-B1BD-29EC7A5AF83A}"/>
               </a:ext>
             </a:extLst>
           </p:cNvPr>
@@ -1905,7 +1911,7 @@
           <p:cNvPr id="2" name="제목 1">
             <a:extLst>
               <a:ext uri="{FF2B5EF4-FFF2-40B4-BE49-F238E27FC236}">
-                <a16:creationId xmlns:a16="http://schemas.microsoft.com/office/drawing/2014/main" id="{C072ECE9-9832-46A0-9778-1C644954C95D}"/>
+                <a16:creationId xmlns:a16="http://schemas.microsoft.com/office/drawing/2014/main" xmlns="" id="{C072ECE9-9832-46A0-9778-1C644954C95D}"/>
               </a:ext>
             </a:extLst>
           </p:cNvPr>
@@ -1933,7 +1939,7 @@
           <p:cNvPr id="3" name="날짜 개체 틀 2">
             <a:extLst>
               <a:ext uri="{FF2B5EF4-FFF2-40B4-BE49-F238E27FC236}">
-                <a16:creationId xmlns:a16="http://schemas.microsoft.com/office/drawing/2014/main" id="{4B93C587-1FE4-40AC-AAAF-AAD3DB08450F}"/>
+                <a16:creationId xmlns:a16="http://schemas.microsoft.com/office/drawing/2014/main" xmlns="" id="{4B93C587-1FE4-40AC-AAAF-AAD3DB08450F}"/>
               </a:ext>
             </a:extLst>
           </p:cNvPr>
@@ -1951,7 +1957,7 @@
           <a:p>
             <a:fld id="{DDE86182-4FA7-44E1-9009-0C2EA3AFD44B}" type="datetimeFigureOut">
               <a:rPr lang="ko-KR" altLang="en-US" smtClean="0"/>
-              <a:t>2019-05-31</a:t>
+              <a:t>2019-06-10</a:t>
             </a:fld>
             <a:endParaRPr lang="ko-KR" altLang="en-US"/>
           </a:p>
@@ -1962,7 +1968,7 @@
           <p:cNvPr id="4" name="바닥글 개체 틀 3">
             <a:extLst>
               <a:ext uri="{FF2B5EF4-FFF2-40B4-BE49-F238E27FC236}">
-                <a16:creationId xmlns:a16="http://schemas.microsoft.com/office/drawing/2014/main" id="{7F374B71-2349-4634-B01F-73730600D788}"/>
+                <a16:creationId xmlns:a16="http://schemas.microsoft.com/office/drawing/2014/main" xmlns="" id="{7F374B71-2349-4634-B01F-73730600D788}"/>
               </a:ext>
             </a:extLst>
           </p:cNvPr>
@@ -1987,7 +1993,7 @@
           <p:cNvPr id="5" name="슬라이드 번호 개체 틀 4">
             <a:extLst>
               <a:ext uri="{FF2B5EF4-FFF2-40B4-BE49-F238E27FC236}">
-                <a16:creationId xmlns:a16="http://schemas.microsoft.com/office/drawing/2014/main" id="{35F51FE0-6DB4-40F6-8A9E-351C8A0971AB}"/>
+                <a16:creationId xmlns:a16="http://schemas.microsoft.com/office/drawing/2014/main" xmlns="" id="{35F51FE0-6DB4-40F6-8A9E-351C8A0971AB}"/>
               </a:ext>
             </a:extLst>
           </p:cNvPr>
@@ -2046,7 +2052,7 @@
           <p:cNvPr id="2" name="날짜 개체 틀 1">
             <a:extLst>
               <a:ext uri="{FF2B5EF4-FFF2-40B4-BE49-F238E27FC236}">
-                <a16:creationId xmlns:a16="http://schemas.microsoft.com/office/drawing/2014/main" id="{75E24611-3C43-4CE7-96D9-48DFF26066C0}"/>
+                <a16:creationId xmlns:a16="http://schemas.microsoft.com/office/drawing/2014/main" xmlns="" id="{75E24611-3C43-4CE7-96D9-48DFF26066C0}"/>
               </a:ext>
             </a:extLst>
           </p:cNvPr>
@@ -2064,7 +2070,7 @@
           <a:p>
             <a:fld id="{DDE86182-4FA7-44E1-9009-0C2EA3AFD44B}" type="datetimeFigureOut">
               <a:rPr lang="ko-KR" altLang="en-US" smtClean="0"/>
-              <a:t>2019-05-31</a:t>
+              <a:t>2019-06-10</a:t>
             </a:fld>
             <a:endParaRPr lang="ko-KR" altLang="en-US"/>
           </a:p>
@@ -2075,7 +2081,7 @@
           <p:cNvPr id="3" name="바닥글 개체 틀 2">
             <a:extLst>
               <a:ext uri="{FF2B5EF4-FFF2-40B4-BE49-F238E27FC236}">
-                <a16:creationId xmlns:a16="http://schemas.microsoft.com/office/drawing/2014/main" id="{9BA22B34-9918-49EB-81A8-097FB47E01AD}"/>
+                <a16:creationId xmlns:a16="http://schemas.microsoft.com/office/drawing/2014/main" xmlns="" id="{9BA22B34-9918-49EB-81A8-097FB47E01AD}"/>
               </a:ext>
             </a:extLst>
           </p:cNvPr>
@@ -2100,7 +2106,7 @@
           <p:cNvPr id="4" name="슬라이드 번호 개체 틀 3">
             <a:extLst>
               <a:ext uri="{FF2B5EF4-FFF2-40B4-BE49-F238E27FC236}">
-                <a16:creationId xmlns:a16="http://schemas.microsoft.com/office/drawing/2014/main" id="{542F4E6B-05C4-4509-BF03-EDA38BE07951}"/>
+                <a16:creationId xmlns:a16="http://schemas.microsoft.com/office/drawing/2014/main" xmlns="" id="{542F4E6B-05C4-4509-BF03-EDA38BE07951}"/>
               </a:ext>
             </a:extLst>
           </p:cNvPr>
@@ -2159,7 +2165,7 @@
           <p:cNvPr id="2" name="제목 1">
             <a:extLst>
               <a:ext uri="{FF2B5EF4-FFF2-40B4-BE49-F238E27FC236}">
-                <a16:creationId xmlns:a16="http://schemas.microsoft.com/office/drawing/2014/main" id="{C061778C-09D6-432E-BC89-8BFC083C23A2}"/>
+                <a16:creationId xmlns:a16="http://schemas.microsoft.com/office/drawing/2014/main" xmlns="" id="{C061778C-09D6-432E-BC89-8BFC083C23A2}"/>
               </a:ext>
             </a:extLst>
           </p:cNvPr>
@@ -2196,7 +2202,7 @@
           <p:cNvPr id="3" name="내용 개체 틀 2">
             <a:extLst>
               <a:ext uri="{FF2B5EF4-FFF2-40B4-BE49-F238E27FC236}">
-                <a16:creationId xmlns:a16="http://schemas.microsoft.com/office/drawing/2014/main" id="{3773FF73-0169-43D0-852E-4AEF54E0124D}"/>
+                <a16:creationId xmlns:a16="http://schemas.microsoft.com/office/drawing/2014/main" xmlns="" id="{3773FF73-0169-43D0-852E-4AEF54E0124D}"/>
               </a:ext>
             </a:extLst>
           </p:cNvPr>
@@ -2286,7 +2292,7 @@
           <p:cNvPr id="4" name="텍스트 개체 틀 3">
             <a:extLst>
               <a:ext uri="{FF2B5EF4-FFF2-40B4-BE49-F238E27FC236}">
-                <a16:creationId xmlns:a16="http://schemas.microsoft.com/office/drawing/2014/main" id="{2CC599FD-C47F-4E4E-80D9-B442884AEC80}"/>
+                <a16:creationId xmlns:a16="http://schemas.microsoft.com/office/drawing/2014/main" xmlns="" id="{2CC599FD-C47F-4E4E-80D9-B442884AEC80}"/>
               </a:ext>
             </a:extLst>
           </p:cNvPr>
@@ -2357,7 +2363,7 @@
           <p:cNvPr id="5" name="날짜 개체 틀 4">
             <a:extLst>
               <a:ext uri="{FF2B5EF4-FFF2-40B4-BE49-F238E27FC236}">
-                <a16:creationId xmlns:a16="http://schemas.microsoft.com/office/drawing/2014/main" id="{A69A82D9-8E82-444B-9FEC-C720DD6D2542}"/>
+                <a16:creationId xmlns:a16="http://schemas.microsoft.com/office/drawing/2014/main" xmlns="" id="{A69A82D9-8E82-444B-9FEC-C720DD6D2542}"/>
               </a:ext>
             </a:extLst>
           </p:cNvPr>
@@ -2375,7 +2381,7 @@
           <a:p>
             <a:fld id="{DDE86182-4FA7-44E1-9009-0C2EA3AFD44B}" type="datetimeFigureOut">
               <a:rPr lang="ko-KR" altLang="en-US" smtClean="0"/>
-              <a:t>2019-05-31</a:t>
+              <a:t>2019-06-10</a:t>
             </a:fld>
             <a:endParaRPr lang="ko-KR" altLang="en-US"/>
           </a:p>
@@ -2386,7 +2392,7 @@
           <p:cNvPr id="6" name="바닥글 개체 틀 5">
             <a:extLst>
               <a:ext uri="{FF2B5EF4-FFF2-40B4-BE49-F238E27FC236}">
-                <a16:creationId xmlns:a16="http://schemas.microsoft.com/office/drawing/2014/main" id="{64DEAEFF-7D0A-4A09-A7CB-6AF16E20068F}"/>
+                <a16:creationId xmlns:a16="http://schemas.microsoft.com/office/drawing/2014/main" xmlns="" id="{64DEAEFF-7D0A-4A09-A7CB-6AF16E20068F}"/>
               </a:ext>
             </a:extLst>
           </p:cNvPr>
@@ -2411,7 +2417,7 @@
           <p:cNvPr id="7" name="슬라이드 번호 개체 틀 6">
             <a:extLst>
               <a:ext uri="{FF2B5EF4-FFF2-40B4-BE49-F238E27FC236}">
-                <a16:creationId xmlns:a16="http://schemas.microsoft.com/office/drawing/2014/main" id="{802E7032-77B8-4D02-8503-92EDF498E53B}"/>
+                <a16:creationId xmlns:a16="http://schemas.microsoft.com/office/drawing/2014/main" xmlns="" id="{802E7032-77B8-4D02-8503-92EDF498E53B}"/>
               </a:ext>
             </a:extLst>
           </p:cNvPr>
@@ -2470,7 +2476,7 @@
           <p:cNvPr id="2" name="제목 1">
             <a:extLst>
               <a:ext uri="{FF2B5EF4-FFF2-40B4-BE49-F238E27FC236}">
-                <a16:creationId xmlns:a16="http://schemas.microsoft.com/office/drawing/2014/main" id="{3C8CE581-C57A-45A0-B6AB-906D8FA61D93}"/>
+                <a16:creationId xmlns:a16="http://schemas.microsoft.com/office/drawing/2014/main" xmlns="" id="{3C8CE581-C57A-45A0-B6AB-906D8FA61D93}"/>
               </a:ext>
             </a:extLst>
           </p:cNvPr>
@@ -2507,7 +2513,7 @@
           <p:cNvPr id="3" name="그림 개체 틀 2">
             <a:extLst>
               <a:ext uri="{FF2B5EF4-FFF2-40B4-BE49-F238E27FC236}">
-                <a16:creationId xmlns:a16="http://schemas.microsoft.com/office/drawing/2014/main" id="{6E00D29D-DCFF-47E4-AA75-343BB8F0C5A1}"/>
+                <a16:creationId xmlns:a16="http://schemas.microsoft.com/office/drawing/2014/main" xmlns="" id="{6E00D29D-DCFF-47E4-AA75-343BB8F0C5A1}"/>
               </a:ext>
             </a:extLst>
           </p:cNvPr>
@@ -2574,7 +2580,7 @@
           <p:cNvPr id="4" name="텍스트 개체 틀 3">
             <a:extLst>
               <a:ext uri="{FF2B5EF4-FFF2-40B4-BE49-F238E27FC236}">
-                <a16:creationId xmlns:a16="http://schemas.microsoft.com/office/drawing/2014/main" id="{943B91CE-4D10-45A9-AF01-D4DFA76B713E}"/>
+                <a16:creationId xmlns:a16="http://schemas.microsoft.com/office/drawing/2014/main" xmlns="" id="{943B91CE-4D10-45A9-AF01-D4DFA76B713E}"/>
               </a:ext>
             </a:extLst>
           </p:cNvPr>
@@ -2645,7 +2651,7 @@
           <p:cNvPr id="5" name="날짜 개체 틀 4">
             <a:extLst>
               <a:ext uri="{FF2B5EF4-FFF2-40B4-BE49-F238E27FC236}">
-                <a16:creationId xmlns:a16="http://schemas.microsoft.com/office/drawing/2014/main" id="{BF3B3CCE-615A-4C72-8BEA-8723D0D5B545}"/>
+                <a16:creationId xmlns:a16="http://schemas.microsoft.com/office/drawing/2014/main" xmlns="" id="{BF3B3CCE-615A-4C72-8BEA-8723D0D5B545}"/>
               </a:ext>
             </a:extLst>
           </p:cNvPr>
@@ -2663,7 +2669,7 @@
           <a:p>
             <a:fld id="{DDE86182-4FA7-44E1-9009-0C2EA3AFD44B}" type="datetimeFigureOut">
               <a:rPr lang="ko-KR" altLang="en-US" smtClean="0"/>
-              <a:t>2019-05-31</a:t>
+              <a:t>2019-06-10</a:t>
             </a:fld>
             <a:endParaRPr lang="ko-KR" altLang="en-US"/>
           </a:p>
@@ -2674,7 +2680,7 @@
           <p:cNvPr id="6" name="바닥글 개체 틀 5">
             <a:extLst>
               <a:ext uri="{FF2B5EF4-FFF2-40B4-BE49-F238E27FC236}">
-                <a16:creationId xmlns:a16="http://schemas.microsoft.com/office/drawing/2014/main" id="{CF19BE0B-5704-45A5-B239-BF51EC54A09A}"/>
+                <a16:creationId xmlns:a16="http://schemas.microsoft.com/office/drawing/2014/main" xmlns="" id="{CF19BE0B-5704-45A5-B239-BF51EC54A09A}"/>
               </a:ext>
             </a:extLst>
           </p:cNvPr>
@@ -2699,7 +2705,7 @@
           <p:cNvPr id="7" name="슬라이드 번호 개체 틀 6">
             <a:extLst>
               <a:ext uri="{FF2B5EF4-FFF2-40B4-BE49-F238E27FC236}">
-                <a16:creationId xmlns:a16="http://schemas.microsoft.com/office/drawing/2014/main" id="{F9DFE9B7-B7BE-4858-A638-6830E5DF2BC8}"/>
+                <a16:creationId xmlns:a16="http://schemas.microsoft.com/office/drawing/2014/main" xmlns="" id="{F9DFE9B7-B7BE-4858-A638-6830E5DF2BC8}"/>
               </a:ext>
             </a:extLst>
           </p:cNvPr>
@@ -2763,7 +2769,7 @@
           <p:cNvPr id="2" name="제목 개체 틀 1">
             <a:extLst>
               <a:ext uri="{FF2B5EF4-FFF2-40B4-BE49-F238E27FC236}">
-                <a16:creationId xmlns:a16="http://schemas.microsoft.com/office/drawing/2014/main" id="{191A6370-BC0E-4999-ABD2-50886AC5E23C}"/>
+                <a16:creationId xmlns:a16="http://schemas.microsoft.com/office/drawing/2014/main" xmlns="" id="{191A6370-BC0E-4999-ABD2-50886AC5E23C}"/>
               </a:ext>
             </a:extLst>
           </p:cNvPr>
@@ -2801,7 +2807,7 @@
           <p:cNvPr id="3" name="텍스트 개체 틀 2">
             <a:extLst>
               <a:ext uri="{FF2B5EF4-FFF2-40B4-BE49-F238E27FC236}">
-                <a16:creationId xmlns:a16="http://schemas.microsoft.com/office/drawing/2014/main" id="{768DD99F-CB50-4386-8AE6-BBCEFA97EEFF}"/>
+                <a16:creationId xmlns:a16="http://schemas.microsoft.com/office/drawing/2014/main" xmlns="" id="{768DD99F-CB50-4386-8AE6-BBCEFA97EEFF}"/>
               </a:ext>
             </a:extLst>
           </p:cNvPr>
@@ -2868,7 +2874,7 @@
           <p:cNvPr id="4" name="날짜 개체 틀 3">
             <a:extLst>
               <a:ext uri="{FF2B5EF4-FFF2-40B4-BE49-F238E27FC236}">
-                <a16:creationId xmlns:a16="http://schemas.microsoft.com/office/drawing/2014/main" id="{5BEA2509-2125-422B-9403-31D23BF1F9E0}"/>
+                <a16:creationId xmlns:a16="http://schemas.microsoft.com/office/drawing/2014/main" xmlns="" id="{5BEA2509-2125-422B-9403-31D23BF1F9E0}"/>
               </a:ext>
             </a:extLst>
           </p:cNvPr>
@@ -2904,7 +2910,7 @@
           <a:p>
             <a:fld id="{DDE86182-4FA7-44E1-9009-0C2EA3AFD44B}" type="datetimeFigureOut">
               <a:rPr lang="ko-KR" altLang="en-US" smtClean="0"/>
-              <a:t>2019-05-31</a:t>
+              <a:t>2019-06-10</a:t>
             </a:fld>
             <a:endParaRPr lang="ko-KR" altLang="en-US"/>
           </a:p>
@@ -2915,7 +2921,7 @@
           <p:cNvPr id="5" name="바닥글 개체 틀 4">
             <a:extLst>
               <a:ext uri="{FF2B5EF4-FFF2-40B4-BE49-F238E27FC236}">
-                <a16:creationId xmlns:a16="http://schemas.microsoft.com/office/drawing/2014/main" id="{78DD269D-1953-4733-A8FF-561A5CD5F1FF}"/>
+                <a16:creationId xmlns:a16="http://schemas.microsoft.com/office/drawing/2014/main" xmlns="" id="{78DD269D-1953-4733-A8FF-561A5CD5F1FF}"/>
               </a:ext>
             </a:extLst>
           </p:cNvPr>
@@ -2958,7 +2964,7 @@
           <p:cNvPr id="6" name="슬라이드 번호 개체 틀 5">
             <a:extLst>
               <a:ext uri="{FF2B5EF4-FFF2-40B4-BE49-F238E27FC236}">
-                <a16:creationId xmlns:a16="http://schemas.microsoft.com/office/drawing/2014/main" id="{825DAF75-9635-4999-843A-447E5185A52C}"/>
+                <a16:creationId xmlns:a16="http://schemas.microsoft.com/office/drawing/2014/main" xmlns="" id="{825DAF75-9635-4999-843A-447E5185A52C}"/>
               </a:ext>
             </a:extLst>
           </p:cNvPr>
@@ -3326,7 +3332,7 @@
           <p:cNvPr id="2" name="TextBox 1">
             <a:extLst>
               <a:ext uri="{FF2B5EF4-FFF2-40B4-BE49-F238E27FC236}">
-                <a16:creationId xmlns:a16="http://schemas.microsoft.com/office/drawing/2014/main" id="{67EAEC36-3C55-4BCA-8DC1-E45A1145A46F}"/>
+                <a16:creationId xmlns:a16="http://schemas.microsoft.com/office/drawing/2014/main" xmlns="" id="{67EAEC36-3C55-4BCA-8DC1-E45A1145A46F}"/>
               </a:ext>
             </a:extLst>
           </p:cNvPr>
@@ -3390,7 +3396,7 @@
           <p:cNvPr id="3" name="TextBox 2">
             <a:extLst>
               <a:ext uri="{FF2B5EF4-FFF2-40B4-BE49-F238E27FC236}">
-                <a16:creationId xmlns:a16="http://schemas.microsoft.com/office/drawing/2014/main" id="{D1894AB7-5E15-403A-9DDA-E67B50E52878}"/>
+                <a16:creationId xmlns:a16="http://schemas.microsoft.com/office/drawing/2014/main" xmlns="" id="{D1894AB7-5E15-403A-9DDA-E67B50E52878}"/>
               </a:ext>
             </a:extLst>
           </p:cNvPr>
@@ -3431,7 +3437,7 @@
           <p:cNvPr id="4" name="TextBox 3">
             <a:extLst>
               <a:ext uri="{FF2B5EF4-FFF2-40B4-BE49-F238E27FC236}">
-                <a16:creationId xmlns:a16="http://schemas.microsoft.com/office/drawing/2014/main" id="{9D0171C9-7CC7-43F2-96C3-E82B1314571B}"/>
+                <a16:creationId xmlns:a16="http://schemas.microsoft.com/office/drawing/2014/main" xmlns="" id="{9D0171C9-7CC7-43F2-96C3-E82B1314571B}"/>
               </a:ext>
             </a:extLst>
           </p:cNvPr>
@@ -3440,8 +3446,8 @@
         </p:nvSpPr>
         <p:spPr>
           <a:xfrm>
-            <a:off x="692150" y="896707"/>
-            <a:ext cx="5403850" cy="369332"/>
+            <a:off x="646234" y="2576264"/>
+            <a:ext cx="5632253" cy="400110"/>
           </a:xfrm>
           <a:prstGeom prst="rect">
             <a:avLst/>
@@ -3455,12 +3461,12 @@
           <a:lstStyle/>
           <a:p>
             <a:r>
-              <a:rPr lang="en-US" altLang="ko-KR" dirty="0">
+              <a:rPr lang="en-US" altLang="ko-KR" sz="2000" dirty="0">
                 <a:latin typeface="+mj-lt"/>
               </a:rPr>
               <a:t>Adopted Algorithm</a:t>
             </a:r>
-            <a:endParaRPr lang="ko-KR" altLang="en-US" dirty="0">
+            <a:endParaRPr lang="ko-KR" altLang="en-US" sz="2000" dirty="0">
               <a:latin typeface="+mj-lt"/>
             </a:endParaRPr>
           </a:p>
@@ -3471,7 +3477,7 @@
           <p:cNvPr id="5" name="TextBox 4">
             <a:extLst>
               <a:ext uri="{FF2B5EF4-FFF2-40B4-BE49-F238E27FC236}">
-                <a16:creationId xmlns:a16="http://schemas.microsoft.com/office/drawing/2014/main" id="{A33725E9-EEDE-4AA6-8B20-0B4E2B64BFE3}"/>
+                <a16:creationId xmlns:a16="http://schemas.microsoft.com/office/drawing/2014/main" xmlns="" id="{A33725E9-EEDE-4AA6-8B20-0B4E2B64BFE3}"/>
               </a:ext>
             </a:extLst>
           </p:cNvPr>
@@ -3480,8 +3486,8 @@
         </p:nvSpPr>
         <p:spPr>
           <a:xfrm>
-            <a:off x="692150" y="2977292"/>
-            <a:ext cx="5403850" cy="369332"/>
+            <a:off x="6527799" y="2576264"/>
+            <a:ext cx="5632253" cy="400110"/>
           </a:xfrm>
           <a:prstGeom prst="rect">
             <a:avLst/>
@@ -3495,12 +3501,12 @@
           <a:lstStyle/>
           <a:p>
             <a:r>
-              <a:rPr lang="en-US" altLang="ko-KR" dirty="0">
+              <a:rPr lang="en-US" altLang="ko-KR" sz="2000" dirty="0">
                 <a:latin typeface="+mj-lt"/>
               </a:rPr>
               <a:t>Estimated Execution time</a:t>
             </a:r>
-            <a:endParaRPr lang="ko-KR" altLang="en-US" dirty="0">
+            <a:endParaRPr lang="ko-KR" altLang="en-US" sz="2000" dirty="0">
               <a:latin typeface="+mj-lt"/>
             </a:endParaRPr>
           </a:p>
@@ -3508,10 +3514,10 @@
       </p:sp>
       <p:sp>
         <p:nvSpPr>
-          <p:cNvPr id="6" name="TextBox 5">
-            <a:extLst>
-              <a:ext uri="{FF2B5EF4-FFF2-40B4-BE49-F238E27FC236}">
-                <a16:creationId xmlns:a16="http://schemas.microsoft.com/office/drawing/2014/main" id="{0410E3A6-044C-4713-922A-191150C50258}"/>
+          <p:cNvPr id="7" name="TextBox 6">
+            <a:extLst>
+              <a:ext uri="{FF2B5EF4-FFF2-40B4-BE49-F238E27FC236}">
+                <a16:creationId xmlns:a16="http://schemas.microsoft.com/office/drawing/2014/main" xmlns="" id="{0A42E698-1083-4A24-96FC-AEDCAD3DFE21}"/>
               </a:ext>
             </a:extLst>
           </p:cNvPr>
@@ -3520,8 +3526,8 @@
         </p:nvSpPr>
         <p:spPr>
           <a:xfrm>
-            <a:off x="6305550" y="896707"/>
-            <a:ext cx="5403850" cy="369332"/>
+            <a:off x="836735" y="3014414"/>
+            <a:ext cx="4016620" cy="1323439"/>
           </a:xfrm>
           <a:prstGeom prst="rect">
             <a:avLst/>
@@ -3535,50 +3541,34 @@
           <a:lstStyle/>
           <a:p>
             <a:r>
-              <a:rPr lang="en-US" altLang="ko-KR" dirty="0">
-                <a:latin typeface="+mj-lt"/>
-              </a:rPr>
-              <a:t>Simulation Result</a:t>
-            </a:r>
-            <a:endParaRPr lang="ko-KR" altLang="en-US" dirty="0">
-              <a:latin typeface="+mj-lt"/>
-            </a:endParaRPr>
-          </a:p>
-        </p:txBody>
-      </p:sp>
-      <p:sp>
-        <p:nvSpPr>
-          <p:cNvPr id="7" name="TextBox 6">
-            <a:extLst>
-              <a:ext uri="{FF2B5EF4-FFF2-40B4-BE49-F238E27FC236}">
-                <a16:creationId xmlns:a16="http://schemas.microsoft.com/office/drawing/2014/main" id="{0A42E698-1083-4A24-96FC-AEDCAD3DFE21}"/>
-              </a:ext>
-            </a:extLst>
-          </p:cNvPr>
-          <p:cNvSpPr txBox="1"/>
-          <p:nvPr/>
-        </p:nvSpPr>
-        <p:spPr>
-          <a:xfrm>
-            <a:off x="882650" y="1334857"/>
-            <a:ext cx="4171950" cy="923330"/>
-          </a:xfrm>
-          <a:prstGeom prst="rect">
-            <a:avLst/>
-          </a:prstGeom>
-          <a:noFill/>
-        </p:spPr>
-        <p:txBody>
-          <a:bodyPr wrap="square" rtlCol="0">
-            <a:spAutoFit/>
-          </a:bodyPr>
-          <a:lstStyle/>
-          <a:p>
-            <a:r>
-              <a:rPr lang="en-US" altLang="ko-KR" dirty="0"/>
-              <a:t>We adopted the DFS algorithm which uses pruning to deal with the TSP in this project.</a:t>
-            </a:r>
-            <a:endParaRPr lang="ko-KR" altLang="en-US" dirty="0"/>
+              <a:rPr lang="en-US" altLang="ko-KR" sz="2000" dirty="0"/>
+              <a:t>We adopted the DFS </a:t>
+            </a:r>
+            <a:r>
+              <a:rPr lang="en-US" altLang="ko-KR" sz="2000" dirty="0" smtClean="0"/>
+              <a:t>and backtracking algorithm </a:t>
+            </a:r>
+            <a:r>
+              <a:rPr lang="en-US" altLang="ko-KR" sz="2000" dirty="0"/>
+              <a:t>which uses pruning to deal with the </a:t>
+            </a:r>
+            <a:r>
+              <a:rPr lang="en-US" altLang="ko-KR" sz="2000" dirty="0" smtClean="0"/>
+              <a:t>TSP</a:t>
+            </a:r>
+            <a:r>
+              <a:rPr lang="en-US" altLang="ko-KR" sz="1000" dirty="0" smtClean="0"/>
+              <a:t>1)</a:t>
+            </a:r>
+            <a:r>
+              <a:rPr lang="en-US" altLang="ko-KR" sz="2000" dirty="0" smtClean="0"/>
+              <a:t> </a:t>
+            </a:r>
+            <a:r>
+              <a:rPr lang="en-US" altLang="ko-KR" sz="2000" dirty="0"/>
+              <a:t>in this project.</a:t>
+            </a:r>
+            <a:endParaRPr lang="ko-KR" altLang="en-US" sz="2000" dirty="0"/>
           </a:p>
         </p:txBody>
       </p:sp>
@@ -3589,7 +3579,7 @@
               <p:cNvPr id="8" name="TextBox 7">
                 <a:extLst>
                   <a:ext uri="{FF2B5EF4-FFF2-40B4-BE49-F238E27FC236}">
-                    <a16:creationId xmlns:a16="http://schemas.microsoft.com/office/drawing/2014/main" id="{327ED957-58D6-4F1D-800A-A7C0645F044C}"/>
+                    <a16:creationId xmlns:a16="http://schemas.microsoft.com/office/drawing/2014/main" xmlns="" id="{327ED957-58D6-4F1D-800A-A7C0645F044C}"/>
                   </a:ext>
                 </a:extLst>
               </p:cNvPr>
@@ -3598,8 +3588,8 @@
             </p:nvSpPr>
             <p:spPr>
               <a:xfrm>
-                <a:off x="882650" y="3415442"/>
-                <a:ext cx="4171950" cy="923330"/>
+                <a:off x="6718299" y="3014414"/>
+                <a:ext cx="4348285" cy="1015663"/>
               </a:xfrm>
               <a:prstGeom prst="rect">
                 <a:avLst/>
@@ -3613,31 +3603,35 @@
               <a:lstStyle/>
               <a:p>
                 <a:r>
-                  <a:rPr lang="en-US" altLang="ko-KR" dirty="0"/>
-                  <a:t>We estimated the execution time as 97300 instructions. The time complexity of DFS algorithm is </a:t>
+                  <a:rPr lang="en-US" altLang="ko-KR" sz="2000" dirty="0"/>
+                  <a:t>We estimated the execution time as 97300 instructions. The time complexity of </a:t>
+                </a:r>
+                <a:r>
+                  <a:rPr lang="en-US" altLang="ko-KR" sz="2000" dirty="0" smtClean="0"/>
+                  <a:t>TSP problem is </a:t>
                 </a:r>
                 <a14:m>
                   <m:oMath xmlns:m="http://schemas.openxmlformats.org/officeDocument/2006/math">
                     <m:r>
-                      <a:rPr lang="en-US" altLang="ko-KR" b="0" i="1" smtClean="0">
+                      <a:rPr lang="en-US" altLang="ko-KR" sz="2000" b="0" i="1" smtClean="0">
                         <a:latin typeface="Cambria Math" panose="02040503050406030204" pitchFamily="18" charset="0"/>
                       </a:rPr>
                       <m:t>𝑂</m:t>
                     </m:r>
                     <m:r>
-                      <a:rPr lang="en-US" altLang="ko-KR" b="0" i="1" smtClean="0">
+                      <a:rPr lang="en-US" altLang="ko-KR" sz="2000" b="0" i="1" smtClean="0">
                         <a:latin typeface="Cambria Math" panose="02040503050406030204" pitchFamily="18" charset="0"/>
                       </a:rPr>
                       <m:t>(</m:t>
                     </m:r>
                     <m:r>
-                      <a:rPr lang="en-US" altLang="ko-KR" b="0" i="1" smtClean="0">
+                      <a:rPr lang="en-US" altLang="ko-KR" sz="2000" b="0" i="1" smtClean="0">
                         <a:latin typeface="Cambria Math" panose="02040503050406030204" pitchFamily="18" charset="0"/>
                       </a:rPr>
                       <m:t>𝑛</m:t>
                     </m:r>
                     <m:r>
-                      <a:rPr lang="en-US" altLang="ko-KR" b="0" i="1" smtClean="0">
+                      <a:rPr lang="en-US" altLang="ko-KR" sz="2000" b="0" i="1" smtClean="0">
                         <a:latin typeface="Cambria Math" panose="02040503050406030204" pitchFamily="18" charset="0"/>
                       </a:rPr>
                       <m:t>!)</m:t>
@@ -3645,10 +3639,10 @@
                   </m:oMath>
                 </a14:m>
                 <a:r>
-                  <a:rPr lang="en-US" altLang="ko-KR" dirty="0"/>
+                  <a:rPr lang="en-US" altLang="ko-KR" sz="2000" dirty="0"/>
                   <a:t>.</a:t>
                 </a:r>
-                <a:endParaRPr lang="ko-KR" altLang="en-US" dirty="0"/>
+                <a:endParaRPr lang="ko-KR" altLang="en-US" sz="2000" dirty="0"/>
               </a:p>
             </p:txBody>
           </p:sp>
@@ -3659,7 +3653,7 @@
               <p:cNvPr id="8" name="TextBox 7">
                 <a:extLst>
                   <a:ext uri="{FF2B5EF4-FFF2-40B4-BE49-F238E27FC236}">
-                    <a16:creationId xmlns:a16="http://schemas.microsoft.com/office/drawing/2014/main" id="{327ED957-58D6-4F1D-800A-A7C0645F044C}"/>
+                    <a16:creationId xmlns:a16="http://schemas.microsoft.com/office/drawing/2014/main" xmlns:a14="http://schemas.microsoft.com/office/drawing/2010/main" xmlns="" id="{327ED957-58D6-4F1D-800A-A7C0645F044C}"/>
                   </a:ext>
                 </a:extLst>
               </p:cNvPr>
@@ -3670,16 +3664,16 @@
             </p:nvSpPr>
             <p:spPr>
               <a:xfrm>
-                <a:off x="882650" y="3415442"/>
-                <a:ext cx="4171950" cy="923330"/>
+                <a:off x="6718299" y="3014414"/>
+                <a:ext cx="4348285" cy="1015663"/>
               </a:xfrm>
               <a:prstGeom prst="rect">
                 <a:avLst/>
               </a:prstGeom>
-              <a:blipFill>
+              <a:blipFill rotWithShape="0">
                 <a:blip r:embed="rId2"/>
                 <a:stretch>
-                  <a:fillRect l="-1316" t="-3289" b="-9211"/>
+                  <a:fillRect l="-1403" t="-2395" b="-10180"/>
                 </a:stretch>
               </a:blipFill>
             </p:spPr>
@@ -3698,15 +3692,313 @@
           </p:sp>
         </mc:Fallback>
       </mc:AlternateContent>
+      <p:sp>
+        <p:nvSpPr>
+          <p:cNvPr id="20" name="TextBox 19">
+            <a:extLst>
+              <a:ext uri="{FF2B5EF4-FFF2-40B4-BE49-F238E27FC236}">
+                <a16:creationId xmlns:a16="http://schemas.microsoft.com/office/drawing/2014/main" xmlns="" id="{7B51FB21-B442-46FD-96B9-5F8C500D4697}"/>
+              </a:ext>
+            </a:extLst>
+          </p:cNvPr>
+          <p:cNvSpPr txBox="1"/>
+          <p:nvPr/>
+        </p:nvSpPr>
+        <p:spPr>
+          <a:xfrm>
+            <a:off x="9505950" y="6419358"/>
+            <a:ext cx="2425700" cy="307777"/>
+          </a:xfrm>
+          <a:prstGeom prst="rect">
+            <a:avLst/>
+          </a:prstGeom>
+          <a:noFill/>
+        </p:spPr>
+        <p:txBody>
+          <a:bodyPr wrap="square" rtlCol="0">
+            <a:spAutoFit/>
+          </a:bodyPr>
+          <a:lstStyle/>
+          <a:p>
+            <a:pPr algn="r"/>
+            <a:r>
+              <a:rPr lang="en-US" altLang="ko-KR" sz="1400" dirty="0">
+                <a:latin typeface="+mj-lt"/>
+              </a:rPr>
+              <a:t>2019-06-11</a:t>
+            </a:r>
+            <a:endParaRPr lang="ko-KR" altLang="en-US" sz="1400" dirty="0">
+              <a:latin typeface="+mj-lt"/>
+            </a:endParaRPr>
+          </a:p>
+        </p:txBody>
+      </p:sp>
+      <p:sp>
+        <p:nvSpPr>
+          <p:cNvPr id="21" name="TextBox 20">
+            <a:extLst>
+              <a:ext uri="{FF2B5EF4-FFF2-40B4-BE49-F238E27FC236}">
+                <a16:creationId xmlns:a16="http://schemas.microsoft.com/office/drawing/2014/main" xmlns="" id="{06C23211-123D-41CE-B695-721155E3AB9A}"/>
+              </a:ext>
+            </a:extLst>
+          </p:cNvPr>
+          <p:cNvSpPr txBox="1"/>
+          <p:nvPr/>
+        </p:nvSpPr>
+        <p:spPr>
+          <a:xfrm>
+            <a:off x="260350" y="6419358"/>
+            <a:ext cx="4914900" cy="307777"/>
+          </a:xfrm>
+          <a:prstGeom prst="rect">
+            <a:avLst/>
+          </a:prstGeom>
+          <a:noFill/>
+        </p:spPr>
+        <p:txBody>
+          <a:bodyPr wrap="square" rtlCol="0">
+            <a:spAutoFit/>
+          </a:bodyPr>
+          <a:lstStyle/>
+          <a:p>
+            <a:r>
+              <a:rPr lang="en-US" altLang="ko-KR" sz="1400" dirty="0">
+                <a:latin typeface="+mj-lt"/>
+              </a:rPr>
+              <a:t>Depart of Software, </a:t>
+            </a:r>
+            <a:r>
+              <a:rPr lang="en-US" altLang="ko-KR" sz="1400" dirty="0" err="1">
+                <a:latin typeface="+mj-lt"/>
+              </a:rPr>
+              <a:t>SungKyunKwan</a:t>
+            </a:r>
+            <a:r>
+              <a:rPr lang="en-US" altLang="ko-KR" sz="1400" dirty="0">
+                <a:latin typeface="+mj-lt"/>
+              </a:rPr>
+              <a:t> Univ.</a:t>
+            </a:r>
+            <a:endParaRPr lang="ko-KR" altLang="en-US" sz="1400" dirty="0">
+              <a:latin typeface="+mj-lt"/>
+            </a:endParaRPr>
+          </a:p>
+        </p:txBody>
+      </p:sp>
+      <p:sp>
+        <p:nvSpPr>
+          <p:cNvPr id="10" name="TextBox 9"/>
+          <p:cNvSpPr txBox="1"/>
+          <p:nvPr/>
+        </p:nvSpPr>
+        <p:spPr>
+          <a:xfrm>
+            <a:off x="836735" y="5814113"/>
+            <a:ext cx="3786066" cy="276999"/>
+          </a:xfrm>
+          <a:prstGeom prst="rect">
+            <a:avLst/>
+          </a:prstGeom>
+          <a:noFill/>
+        </p:spPr>
+        <p:txBody>
+          <a:bodyPr wrap="square" rtlCol="0">
+            <a:spAutoFit/>
+          </a:bodyPr>
+          <a:lstStyle/>
+          <a:p>
+            <a:r>
+              <a:rPr lang="en-US" altLang="ko-KR" sz="1200" dirty="0" smtClean="0"/>
+              <a:t>1) Traveling Salesman Problem</a:t>
+            </a:r>
+            <a:endParaRPr lang="ko-KR" altLang="en-US" sz="1200" dirty="0"/>
+          </a:p>
+        </p:txBody>
+      </p:sp>
+    </p:spTree>
+    <p:extLst>
+      <p:ext uri="{BB962C8B-B14F-4D97-AF65-F5344CB8AC3E}">
+        <p14:creationId xmlns:p14="http://schemas.microsoft.com/office/powerpoint/2010/main" val="30172997"/>
+      </p:ext>
+    </p:extLst>
+  </p:cSld>
+  <p:clrMapOvr>
+    <a:masterClrMapping/>
+  </p:clrMapOvr>
+</p:sld>
+</file>
+
+<file path=ppt/slides/slide2.xml><?xml version="1.0" encoding="utf-8"?>
+<p:sld xmlns:a="http://schemas.openxmlformats.org/drawingml/2006/main" xmlns:r="http://schemas.openxmlformats.org/officeDocument/2006/relationships" xmlns:p="http://schemas.openxmlformats.org/presentationml/2006/main">
+  <p:cSld>
+    <p:spTree>
+      <p:nvGrpSpPr>
+        <p:cNvPr id="1" name=""/>
+        <p:cNvGrpSpPr/>
+        <p:nvPr/>
+      </p:nvGrpSpPr>
+      <p:grpSpPr>
+        <a:xfrm>
+          <a:off x="0" y="0"/>
+          <a:ext cx="0" cy="0"/>
+          <a:chOff x="0" y="0"/>
+          <a:chExt cx="0" cy="0"/>
+        </a:xfrm>
+      </p:grpSpPr>
+      <p:sp>
+        <p:nvSpPr>
+          <p:cNvPr id="2" name="TextBox 1">
+            <a:extLst>
+              <a:ext uri="{FF2B5EF4-FFF2-40B4-BE49-F238E27FC236}">
+                <a16:creationId xmlns:a16="http://schemas.microsoft.com/office/drawing/2014/main" xmlns="" id="{67EAEC36-3C55-4BCA-8DC1-E45A1145A46F}"/>
+              </a:ext>
+            </a:extLst>
+          </p:cNvPr>
+          <p:cNvSpPr txBox="1"/>
+          <p:nvPr/>
+        </p:nvSpPr>
+        <p:spPr>
+          <a:xfrm>
+            <a:off x="260350" y="156206"/>
+            <a:ext cx="4171950" cy="307777"/>
+          </a:xfrm>
+          <a:prstGeom prst="rect">
+            <a:avLst/>
+          </a:prstGeom>
+          <a:noFill/>
+        </p:spPr>
+        <p:txBody>
+          <a:bodyPr wrap="square" rtlCol="0">
+            <a:spAutoFit/>
+          </a:bodyPr>
+          <a:lstStyle/>
+          <a:p>
+            <a:r>
+              <a:rPr lang="en-US" altLang="ko-KR" sz="1400" dirty="0">
+                <a:latin typeface="+mj-lt"/>
+              </a:rPr>
+              <a:t>Team. 20 </a:t>
+            </a:r>
+            <a:r>
+              <a:rPr lang="en-US" altLang="ko-KR" sz="1400" dirty="0" err="1">
+                <a:latin typeface="+mj-lt"/>
+              </a:rPr>
+              <a:t>Hyungjun</a:t>
+            </a:r>
+            <a:r>
+              <a:rPr lang="en-US" altLang="ko-KR" sz="1400" dirty="0">
+                <a:latin typeface="+mj-lt"/>
+              </a:rPr>
+              <a:t> Kim, Ju-</a:t>
+            </a:r>
+            <a:r>
+              <a:rPr lang="en-US" altLang="ko-KR" sz="1400" dirty="0" err="1">
+                <a:latin typeface="+mj-lt"/>
+              </a:rPr>
+              <a:t>eun</a:t>
+            </a:r>
+            <a:r>
+              <a:rPr lang="en-US" altLang="ko-KR" sz="1400" dirty="0">
+                <a:latin typeface="+mj-lt"/>
+              </a:rPr>
+              <a:t> Park</a:t>
+            </a:r>
+            <a:endParaRPr lang="ko-KR" altLang="en-US" sz="1400" dirty="0">
+              <a:latin typeface="+mj-lt"/>
+            </a:endParaRPr>
+          </a:p>
+        </p:txBody>
+      </p:sp>
+      <p:sp>
+        <p:nvSpPr>
+          <p:cNvPr id="3" name="TextBox 2">
+            <a:extLst>
+              <a:ext uri="{FF2B5EF4-FFF2-40B4-BE49-F238E27FC236}">
+                <a16:creationId xmlns:a16="http://schemas.microsoft.com/office/drawing/2014/main" xmlns="" id="{D1894AB7-5E15-403A-9DDA-E67B50E52878}"/>
+              </a:ext>
+            </a:extLst>
+          </p:cNvPr>
+          <p:cNvSpPr txBox="1"/>
+          <p:nvPr/>
+        </p:nvSpPr>
+        <p:spPr>
+          <a:xfrm>
+            <a:off x="5410200" y="156206"/>
+            <a:ext cx="6521450" cy="307777"/>
+          </a:xfrm>
+          <a:prstGeom prst="rect">
+            <a:avLst/>
+          </a:prstGeom>
+          <a:noFill/>
+        </p:spPr>
+        <p:txBody>
+          <a:bodyPr wrap="square" rtlCol="0">
+            <a:spAutoFit/>
+          </a:bodyPr>
+          <a:lstStyle/>
+          <a:p>
+            <a:pPr algn="r"/>
+            <a:r>
+              <a:rPr lang="en-US" altLang="ko-KR" sz="1400" dirty="0">
+                <a:latin typeface="+mj-lt"/>
+              </a:rPr>
+              <a:t>Computer Architecture 2019 Spring: Course Project</a:t>
+            </a:r>
+            <a:endParaRPr lang="ko-KR" altLang="en-US" sz="1400" dirty="0">
+              <a:latin typeface="+mj-lt"/>
+            </a:endParaRPr>
+          </a:p>
+        </p:txBody>
+      </p:sp>
+      <p:sp>
+        <p:nvSpPr>
+          <p:cNvPr id="6" name="TextBox 5">
+            <a:extLst>
+              <a:ext uri="{FF2B5EF4-FFF2-40B4-BE49-F238E27FC236}">
+                <a16:creationId xmlns:a16="http://schemas.microsoft.com/office/drawing/2014/main" xmlns="" id="{0410E3A6-044C-4713-922A-191150C50258}"/>
+              </a:ext>
+            </a:extLst>
+          </p:cNvPr>
+          <p:cNvSpPr txBox="1"/>
+          <p:nvPr/>
+        </p:nvSpPr>
+        <p:spPr>
+          <a:xfrm>
+            <a:off x="553427" y="1475109"/>
+            <a:ext cx="5403850" cy="369332"/>
+          </a:xfrm>
+          <a:prstGeom prst="rect">
+            <a:avLst/>
+          </a:prstGeom>
+          <a:noFill/>
+        </p:spPr>
+        <p:txBody>
+          <a:bodyPr wrap="square" rtlCol="0">
+            <a:spAutoFit/>
+          </a:bodyPr>
+          <a:lstStyle/>
+          <a:p>
+            <a:r>
+              <a:rPr lang="en-US" altLang="ko-KR" dirty="0">
+                <a:latin typeface="+mj-lt"/>
+              </a:rPr>
+              <a:t>Simulation Result</a:t>
+            </a:r>
+            <a:endParaRPr lang="ko-KR" altLang="en-US" dirty="0">
+              <a:latin typeface="+mj-lt"/>
+            </a:endParaRPr>
+          </a:p>
+        </p:txBody>
+      </p:sp>
       <p:graphicFrame>
         <p:nvGraphicFramePr>
           <p:cNvPr id="9" name="표 8">
             <a:extLst>
               <a:ext uri="{FF2B5EF4-FFF2-40B4-BE49-F238E27FC236}">
-                <a16:creationId xmlns:a16="http://schemas.microsoft.com/office/drawing/2014/main" id="{0ECA806A-036D-483D-A361-43C8098528B9}"/>
+                <a16:creationId xmlns:a16="http://schemas.microsoft.com/office/drawing/2014/main" xmlns="" id="{0ECA806A-036D-483D-A361-43C8098528B9}"/>
               </a:ext>
               <a:ext uri="{C183D7F6-B498-43B3-948B-1728B52AA6E4}">
-                <adec:decorative xmlns:adec="http://schemas.microsoft.com/office/drawing/2017/decorative" val="0"/>
+                <adec:decorative xmlns:adec="http://schemas.microsoft.com/office/drawing/2017/decorative" xmlns="" val="0"/>
               </a:ext>
             </a:extLst>
           </p:cNvPr>
@@ -3716,14 +4008,14 @@
           <p:nvPr>
             <p:extLst>
               <p:ext uri="{D42A27DB-BD31-4B8C-83A1-F6EECF244321}">
-                <p14:modId xmlns:p14="http://schemas.microsoft.com/office/powerpoint/2010/main" val="2564745982"/>
+                <p14:modId xmlns:p14="http://schemas.microsoft.com/office/powerpoint/2010/main" val="4043393055"/>
               </p:ext>
             </p:extLst>
           </p:nvPr>
         </p:nvGraphicFramePr>
         <p:xfrm>
-          <a:off x="2038350" y="5307641"/>
-          <a:ext cx="8128000" cy="741680"/>
+          <a:off x="5652477" y="4254711"/>
+          <a:ext cx="6123110" cy="741680"/>
         </p:xfrm>
         <a:graphic>
           <a:graphicData uri="http://schemas.openxmlformats.org/drawingml/2006/table">
@@ -3732,17 +4024,17 @@
                 <a:tableStyleId>{616DA210-FB5B-4158-B5E0-FEB733F419BA}</a:tableStyleId>
               </a:tblPr>
               <a:tblGrid>
-                <a:gridCol w="4064000">
+                <a:gridCol w="3061555">
                   <a:extLst>
                     <a:ext uri="{9D8B030D-6E8A-4147-A177-3AD203B41FA5}">
-                      <a16:colId xmlns:a16="http://schemas.microsoft.com/office/drawing/2014/main" val="645659320"/>
+                      <a16:colId xmlns:a16="http://schemas.microsoft.com/office/drawing/2014/main" xmlns="" val="645659320"/>
                     </a:ext>
                   </a:extLst>
                 </a:gridCol>
-                <a:gridCol w="4064000">
+                <a:gridCol w="3061555">
                   <a:extLst>
                     <a:ext uri="{9D8B030D-6E8A-4147-A177-3AD203B41FA5}">
-                      <a16:colId xmlns:a16="http://schemas.microsoft.com/office/drawing/2014/main" val="947593591"/>
+                      <a16:colId xmlns:a16="http://schemas.microsoft.com/office/drawing/2014/main" xmlns="" val="947593591"/>
                     </a:ext>
                   </a:extLst>
                 </a:gridCol>
@@ -3780,7 +4072,7 @@
                 </a:tc>
                 <a:extLst>
                   <a:ext uri="{0D108BD9-81ED-4DB2-BD59-A6C34878D82A}">
-                    <a16:rowId xmlns:a16="http://schemas.microsoft.com/office/drawing/2014/main" val="3572814062"/>
+                    <a16:rowId xmlns:a16="http://schemas.microsoft.com/office/drawing/2014/main" xmlns="" val="3572814062"/>
                   </a:ext>
                 </a:extLst>
               </a:tr>
@@ -3817,7 +4109,7 @@
                 </a:tc>
                 <a:extLst>
                   <a:ext uri="{0D108BD9-81ED-4DB2-BD59-A6C34878D82A}">
-                    <a16:rowId xmlns:a16="http://schemas.microsoft.com/office/drawing/2014/main" val="2359362197"/>
+                    <a16:rowId xmlns:a16="http://schemas.microsoft.com/office/drawing/2014/main" xmlns="" val="2359362197"/>
                   </a:ext>
                 </a:extLst>
               </a:tr>
@@ -3830,7 +4122,7 @@
           <p:cNvPr id="11" name="그림 10">
             <a:extLst>
               <a:ext uri="{FF2B5EF4-FFF2-40B4-BE49-F238E27FC236}">
-                <a16:creationId xmlns:a16="http://schemas.microsoft.com/office/drawing/2014/main" id="{67EE50F5-4297-4830-8F2A-5067DC1AA488}"/>
+                <a16:creationId xmlns:a16="http://schemas.microsoft.com/office/drawing/2014/main" xmlns="" id="{67EE50F5-4297-4830-8F2A-5067DC1AA488}"/>
               </a:ext>
             </a:extLst>
           </p:cNvPr>
@@ -3838,14 +4130,14 @@
           <p:nvPr/>
         </p:nvPicPr>
         <p:blipFill>
-          <a:blip r:embed="rId3"/>
+          <a:blip r:embed="rId2"/>
           <a:stretch>
             <a:fillRect/>
           </a:stretch>
         </p:blipFill>
         <p:spPr>
           <a:xfrm>
-            <a:off x="6791325" y="2722047"/>
+            <a:off x="1039202" y="3300449"/>
             <a:ext cx="3606800" cy="1811853"/>
           </a:xfrm>
           <a:prstGeom prst="rect">
@@ -3858,7 +4150,7 @@
           <p:cNvPr id="12" name="TextBox 11">
             <a:extLst>
               <a:ext uri="{FF2B5EF4-FFF2-40B4-BE49-F238E27FC236}">
-                <a16:creationId xmlns:a16="http://schemas.microsoft.com/office/drawing/2014/main" id="{3D8C6BC8-DCC7-4779-91CE-FA348E5EE0C5}"/>
+                <a16:creationId xmlns:a16="http://schemas.microsoft.com/office/drawing/2014/main" xmlns="" id="{3D8C6BC8-DCC7-4779-91CE-FA348E5EE0C5}"/>
               </a:ext>
             </a:extLst>
           </p:cNvPr>
@@ -3867,7 +4159,7 @@
         </p:nvSpPr>
         <p:spPr>
           <a:xfrm>
-            <a:off x="6994525" y="4552831"/>
+            <a:off x="1242402" y="5131233"/>
             <a:ext cx="3194050" cy="276999"/>
           </a:xfrm>
           <a:prstGeom prst="rect">
@@ -3911,7 +4203,7 @@
           <p:cNvPr id="13" name="TextBox 12">
             <a:extLst>
               <a:ext uri="{FF2B5EF4-FFF2-40B4-BE49-F238E27FC236}">
-                <a16:creationId xmlns:a16="http://schemas.microsoft.com/office/drawing/2014/main" id="{7FF2FE9D-0519-4F53-AB98-58E03D505EF0}"/>
+                <a16:creationId xmlns:a16="http://schemas.microsoft.com/office/drawing/2014/main" xmlns="" id="{7FF2FE9D-0519-4F53-AB98-58E03D505EF0}"/>
               </a:ext>
             </a:extLst>
           </p:cNvPr>
@@ -3920,7 +4212,7 @@
         </p:nvSpPr>
         <p:spPr>
           <a:xfrm>
-            <a:off x="2038350" y="5011711"/>
+            <a:off x="7062177" y="5131233"/>
             <a:ext cx="3194050" cy="276999"/>
           </a:xfrm>
           <a:prstGeom prst="rect">
@@ -3947,7 +4239,7 @@
           <p:cNvPr id="14" name="TextBox 13">
             <a:extLst>
               <a:ext uri="{FF2B5EF4-FFF2-40B4-BE49-F238E27FC236}">
-                <a16:creationId xmlns:a16="http://schemas.microsoft.com/office/drawing/2014/main" id="{B9F00A47-EC57-4C56-8A40-D242FFB9CE2D}"/>
+                <a16:creationId xmlns:a16="http://schemas.microsoft.com/office/drawing/2014/main" xmlns="" id="{B9F00A47-EC57-4C56-8A40-D242FFB9CE2D}"/>
               </a:ext>
             </a:extLst>
           </p:cNvPr>
@@ -3956,7 +4248,7 @@
         </p:nvSpPr>
         <p:spPr>
           <a:xfrm>
-            <a:off x="6508750" y="1334857"/>
+            <a:off x="756627" y="1913259"/>
             <a:ext cx="4171950" cy="1200329"/>
           </a:xfrm>
           <a:prstGeom prst="rect">
@@ -3983,7 +4275,7 @@
           <p:cNvPr id="20" name="TextBox 19">
             <a:extLst>
               <a:ext uri="{FF2B5EF4-FFF2-40B4-BE49-F238E27FC236}">
-                <a16:creationId xmlns:a16="http://schemas.microsoft.com/office/drawing/2014/main" id="{7B51FB21-B442-46FD-96B9-5F8C500D4697}"/>
+                <a16:creationId xmlns:a16="http://schemas.microsoft.com/office/drawing/2014/main" xmlns="" id="{7B51FB21-B442-46FD-96B9-5F8C500D4697}"/>
               </a:ext>
             </a:extLst>
           </p:cNvPr>
@@ -4024,7 +4316,7 @@
           <p:cNvPr id="21" name="TextBox 20">
             <a:extLst>
               <a:ext uri="{FF2B5EF4-FFF2-40B4-BE49-F238E27FC236}">
-                <a16:creationId xmlns:a16="http://schemas.microsoft.com/office/drawing/2014/main" id="{06C23211-123D-41CE-B695-721155E3AB9A}"/>
+                <a16:creationId xmlns:a16="http://schemas.microsoft.com/office/drawing/2014/main" xmlns="" id="{06C23211-123D-41CE-B695-721155E3AB9A}"/>
               </a:ext>
             </a:extLst>
           </p:cNvPr>
@@ -4071,10 +4363,86 @@
           </a:p>
         </p:txBody>
       </p:sp>
+      <p:sp>
+        <p:nvSpPr>
+          <p:cNvPr id="16" name="TextBox 15">
+            <a:extLst>
+              <a:ext uri="{FF2B5EF4-FFF2-40B4-BE49-F238E27FC236}">
+                <a16:creationId xmlns:a16="http://schemas.microsoft.com/office/drawing/2014/main" xmlns="" id="{0410E3A6-044C-4713-922A-191150C50258}"/>
+              </a:ext>
+            </a:extLst>
+          </p:cNvPr>
+          <p:cNvSpPr txBox="1"/>
+          <p:nvPr/>
+        </p:nvSpPr>
+        <p:spPr>
+          <a:xfrm>
+            <a:off x="6086719" y="2107212"/>
+            <a:ext cx="5403850" cy="369332"/>
+          </a:xfrm>
+          <a:prstGeom prst="rect">
+            <a:avLst/>
+          </a:prstGeom>
+          <a:noFill/>
+        </p:spPr>
+        <p:txBody>
+          <a:bodyPr wrap="square" rtlCol="0">
+            <a:spAutoFit/>
+          </a:bodyPr>
+          <a:lstStyle/>
+          <a:p>
+            <a:r>
+              <a:rPr lang="en-US" altLang="ko-KR" dirty="0" smtClean="0">
+                <a:latin typeface="+mj-lt"/>
+              </a:rPr>
+              <a:t>Review</a:t>
+            </a:r>
+            <a:endParaRPr lang="ko-KR" altLang="en-US" dirty="0">
+              <a:latin typeface="+mj-lt"/>
+            </a:endParaRPr>
+          </a:p>
+        </p:txBody>
+      </p:sp>
+      <p:sp>
+        <p:nvSpPr>
+          <p:cNvPr id="17" name="TextBox 16">
+            <a:extLst>
+              <a:ext uri="{FF2B5EF4-FFF2-40B4-BE49-F238E27FC236}">
+                <a16:creationId xmlns:a16="http://schemas.microsoft.com/office/drawing/2014/main" xmlns="" id="{B9F00A47-EC57-4C56-8A40-D242FFB9CE2D}"/>
+              </a:ext>
+            </a:extLst>
+          </p:cNvPr>
+          <p:cNvSpPr txBox="1"/>
+          <p:nvPr/>
+        </p:nvSpPr>
+        <p:spPr>
+          <a:xfrm>
+            <a:off x="6289919" y="2545362"/>
+            <a:ext cx="4171950" cy="1200329"/>
+          </a:xfrm>
+          <a:prstGeom prst="rect">
+            <a:avLst/>
+          </a:prstGeom>
+          <a:noFill/>
+        </p:spPr>
+        <p:txBody>
+          <a:bodyPr wrap="square" rtlCol="0">
+            <a:spAutoFit/>
+          </a:bodyPr>
+          <a:lstStyle/>
+          <a:p>
+            <a:r>
+              <a:rPr lang="en-US" altLang="ko-KR" dirty="0" smtClean="0"/>
+              <a:t>Backtracking algorithm pruning the unnecessary path, reduced the instruction by 2/3. Optimizing algorithm is most important.</a:t>
+            </a:r>
+            <a:endParaRPr lang="ko-KR" altLang="en-US" dirty="0"/>
+          </a:p>
+        </p:txBody>
+      </p:sp>
     </p:spTree>
     <p:extLst>
       <p:ext uri="{BB962C8B-B14F-4D97-AF65-F5344CB8AC3E}">
-        <p14:creationId xmlns:p14="http://schemas.microsoft.com/office/powerpoint/2010/main" val="30172997"/>
+        <p14:creationId xmlns:p14="http://schemas.microsoft.com/office/powerpoint/2010/main" val="3472212741"/>
       </p:ext>
     </p:extLst>
   </p:cSld>

--- a/team20_phase3_slide+proj_arch.pptx
+++ b/team20_phase3_slide+proj_arch.pptx
@@ -135,7 +135,7 @@
           <p:cNvPr id="2" name="제목 1">
             <a:extLst>
               <a:ext uri="{FF2B5EF4-FFF2-40B4-BE49-F238E27FC236}">
-                <a16:creationId xmlns:a16="http://schemas.microsoft.com/office/drawing/2014/main" xmlns="" id="{CBEF70C7-78AE-4CF9-ACDB-06AF1544AEC5}"/>
+                <a16:creationId xmlns:a16="http://schemas.microsoft.com/office/drawing/2014/main" id="{CBEF70C7-78AE-4CF9-ACDB-06AF1544AEC5}"/>
               </a:ext>
             </a:extLst>
           </p:cNvPr>
@@ -172,7 +172,7 @@
           <p:cNvPr id="3" name="부제목 2">
             <a:extLst>
               <a:ext uri="{FF2B5EF4-FFF2-40B4-BE49-F238E27FC236}">
-                <a16:creationId xmlns:a16="http://schemas.microsoft.com/office/drawing/2014/main" xmlns="" id="{115EC349-7859-4451-B2ED-537EA89BFD94}"/>
+                <a16:creationId xmlns:a16="http://schemas.microsoft.com/office/drawing/2014/main" id="{115EC349-7859-4451-B2ED-537EA89BFD94}"/>
               </a:ext>
             </a:extLst>
           </p:cNvPr>
@@ -242,7 +242,7 @@
           <p:cNvPr id="4" name="날짜 개체 틀 3">
             <a:extLst>
               <a:ext uri="{FF2B5EF4-FFF2-40B4-BE49-F238E27FC236}">
-                <a16:creationId xmlns:a16="http://schemas.microsoft.com/office/drawing/2014/main" xmlns="" id="{EB32FC28-1D47-448E-98F1-D522EC1D2D98}"/>
+                <a16:creationId xmlns:a16="http://schemas.microsoft.com/office/drawing/2014/main" id="{EB32FC28-1D47-448E-98F1-D522EC1D2D98}"/>
               </a:ext>
             </a:extLst>
           </p:cNvPr>
@@ -271,7 +271,7 @@
           <p:cNvPr id="5" name="바닥글 개체 틀 4">
             <a:extLst>
               <a:ext uri="{FF2B5EF4-FFF2-40B4-BE49-F238E27FC236}">
-                <a16:creationId xmlns:a16="http://schemas.microsoft.com/office/drawing/2014/main" xmlns="" id="{9F4D58E3-873A-4647-A8B2-E339E7CD6823}"/>
+                <a16:creationId xmlns:a16="http://schemas.microsoft.com/office/drawing/2014/main" id="{9F4D58E3-873A-4647-A8B2-E339E7CD6823}"/>
               </a:ext>
             </a:extLst>
           </p:cNvPr>
@@ -296,7 +296,7 @@
           <p:cNvPr id="6" name="슬라이드 번호 개체 틀 5">
             <a:extLst>
               <a:ext uri="{FF2B5EF4-FFF2-40B4-BE49-F238E27FC236}">
-                <a16:creationId xmlns:a16="http://schemas.microsoft.com/office/drawing/2014/main" xmlns="" id="{EE5D7BB0-CB9F-4CB8-BB45-5310CA7BA4BA}"/>
+                <a16:creationId xmlns:a16="http://schemas.microsoft.com/office/drawing/2014/main" id="{EE5D7BB0-CB9F-4CB8-BB45-5310CA7BA4BA}"/>
               </a:ext>
             </a:extLst>
           </p:cNvPr>
@@ -355,7 +355,7 @@
           <p:cNvPr id="2" name="제목 1">
             <a:extLst>
               <a:ext uri="{FF2B5EF4-FFF2-40B4-BE49-F238E27FC236}">
-                <a16:creationId xmlns:a16="http://schemas.microsoft.com/office/drawing/2014/main" xmlns="" id="{0E55E6B2-4A45-4BBA-BA6E-3B656A2433DD}"/>
+                <a16:creationId xmlns:a16="http://schemas.microsoft.com/office/drawing/2014/main" id="{0E55E6B2-4A45-4BBA-BA6E-3B656A2433DD}"/>
               </a:ext>
             </a:extLst>
           </p:cNvPr>
@@ -383,7 +383,7 @@
           <p:cNvPr id="3" name="세로 텍스트 개체 틀 2">
             <a:extLst>
               <a:ext uri="{FF2B5EF4-FFF2-40B4-BE49-F238E27FC236}">
-                <a16:creationId xmlns:a16="http://schemas.microsoft.com/office/drawing/2014/main" xmlns="" id="{9DDAF897-57CA-4A98-A771-8444575DB3E5}"/>
+                <a16:creationId xmlns:a16="http://schemas.microsoft.com/office/drawing/2014/main" id="{9DDAF897-57CA-4A98-A771-8444575DB3E5}"/>
               </a:ext>
             </a:extLst>
           </p:cNvPr>
@@ -440,7 +440,7 @@
           <p:cNvPr id="4" name="날짜 개체 틀 3">
             <a:extLst>
               <a:ext uri="{FF2B5EF4-FFF2-40B4-BE49-F238E27FC236}">
-                <a16:creationId xmlns:a16="http://schemas.microsoft.com/office/drawing/2014/main" xmlns="" id="{77B270B3-7FF9-4D09-B9D8-AE084A761BF8}"/>
+                <a16:creationId xmlns:a16="http://schemas.microsoft.com/office/drawing/2014/main" id="{77B270B3-7FF9-4D09-B9D8-AE084A761BF8}"/>
               </a:ext>
             </a:extLst>
           </p:cNvPr>
@@ -469,7 +469,7 @@
           <p:cNvPr id="5" name="바닥글 개체 틀 4">
             <a:extLst>
               <a:ext uri="{FF2B5EF4-FFF2-40B4-BE49-F238E27FC236}">
-                <a16:creationId xmlns:a16="http://schemas.microsoft.com/office/drawing/2014/main" xmlns="" id="{2BF5F1F8-A534-4166-B9CE-E241CC6B44BD}"/>
+                <a16:creationId xmlns:a16="http://schemas.microsoft.com/office/drawing/2014/main" id="{2BF5F1F8-A534-4166-B9CE-E241CC6B44BD}"/>
               </a:ext>
             </a:extLst>
           </p:cNvPr>
@@ -494,7 +494,7 @@
           <p:cNvPr id="6" name="슬라이드 번호 개체 틀 5">
             <a:extLst>
               <a:ext uri="{FF2B5EF4-FFF2-40B4-BE49-F238E27FC236}">
-                <a16:creationId xmlns:a16="http://schemas.microsoft.com/office/drawing/2014/main" xmlns="" id="{07A20123-B2E8-449A-BFF7-4038D47829B1}"/>
+                <a16:creationId xmlns:a16="http://schemas.microsoft.com/office/drawing/2014/main" id="{07A20123-B2E8-449A-BFF7-4038D47829B1}"/>
               </a:ext>
             </a:extLst>
           </p:cNvPr>
@@ -553,7 +553,7 @@
           <p:cNvPr id="2" name="세로 제목 1">
             <a:extLst>
               <a:ext uri="{FF2B5EF4-FFF2-40B4-BE49-F238E27FC236}">
-                <a16:creationId xmlns:a16="http://schemas.microsoft.com/office/drawing/2014/main" xmlns="" id="{8934E19A-9914-4FB7-9F78-D1040F4B6B55}"/>
+                <a16:creationId xmlns:a16="http://schemas.microsoft.com/office/drawing/2014/main" id="{8934E19A-9914-4FB7-9F78-D1040F4B6B55}"/>
               </a:ext>
             </a:extLst>
           </p:cNvPr>
@@ -586,7 +586,7 @@
           <p:cNvPr id="3" name="세로 텍스트 개체 틀 2">
             <a:extLst>
               <a:ext uri="{FF2B5EF4-FFF2-40B4-BE49-F238E27FC236}">
-                <a16:creationId xmlns:a16="http://schemas.microsoft.com/office/drawing/2014/main" xmlns="" id="{AA8C40E4-63FC-4819-823C-9696433D724A}"/>
+                <a16:creationId xmlns:a16="http://schemas.microsoft.com/office/drawing/2014/main" id="{AA8C40E4-63FC-4819-823C-9696433D724A}"/>
               </a:ext>
             </a:extLst>
           </p:cNvPr>
@@ -648,7 +648,7 @@
           <p:cNvPr id="4" name="날짜 개체 틀 3">
             <a:extLst>
               <a:ext uri="{FF2B5EF4-FFF2-40B4-BE49-F238E27FC236}">
-                <a16:creationId xmlns:a16="http://schemas.microsoft.com/office/drawing/2014/main" xmlns="" id="{7A75EBC2-AF0A-4A69-9375-8CF04CFDB2E9}"/>
+                <a16:creationId xmlns:a16="http://schemas.microsoft.com/office/drawing/2014/main" id="{7A75EBC2-AF0A-4A69-9375-8CF04CFDB2E9}"/>
               </a:ext>
             </a:extLst>
           </p:cNvPr>
@@ -677,7 +677,7 @@
           <p:cNvPr id="5" name="바닥글 개체 틀 4">
             <a:extLst>
               <a:ext uri="{FF2B5EF4-FFF2-40B4-BE49-F238E27FC236}">
-                <a16:creationId xmlns:a16="http://schemas.microsoft.com/office/drawing/2014/main" xmlns="" id="{AA4D6793-C9CD-4DA1-B5A5-F305C9284000}"/>
+                <a16:creationId xmlns:a16="http://schemas.microsoft.com/office/drawing/2014/main" id="{AA4D6793-C9CD-4DA1-B5A5-F305C9284000}"/>
               </a:ext>
             </a:extLst>
           </p:cNvPr>
@@ -702,7 +702,7 @@
           <p:cNvPr id="6" name="슬라이드 번호 개체 틀 5">
             <a:extLst>
               <a:ext uri="{FF2B5EF4-FFF2-40B4-BE49-F238E27FC236}">
-                <a16:creationId xmlns:a16="http://schemas.microsoft.com/office/drawing/2014/main" xmlns="" id="{73F7B546-8E04-4851-ADD6-E0AF937DA4D8}"/>
+                <a16:creationId xmlns:a16="http://schemas.microsoft.com/office/drawing/2014/main" id="{73F7B546-8E04-4851-ADD6-E0AF937DA4D8}"/>
               </a:ext>
             </a:extLst>
           </p:cNvPr>
@@ -761,7 +761,7 @@
           <p:cNvPr id="2" name="제목 1">
             <a:extLst>
               <a:ext uri="{FF2B5EF4-FFF2-40B4-BE49-F238E27FC236}">
-                <a16:creationId xmlns:a16="http://schemas.microsoft.com/office/drawing/2014/main" xmlns="" id="{495CF2BB-09A6-4FB7-95FE-C2A838C2A302}"/>
+                <a16:creationId xmlns:a16="http://schemas.microsoft.com/office/drawing/2014/main" id="{495CF2BB-09A6-4FB7-95FE-C2A838C2A302}"/>
               </a:ext>
             </a:extLst>
           </p:cNvPr>
@@ -789,7 +789,7 @@
           <p:cNvPr id="3" name="내용 개체 틀 2">
             <a:extLst>
               <a:ext uri="{FF2B5EF4-FFF2-40B4-BE49-F238E27FC236}">
-                <a16:creationId xmlns:a16="http://schemas.microsoft.com/office/drawing/2014/main" xmlns="" id="{1EBE7974-A96D-481C-B91C-A5CE8BE899B0}"/>
+                <a16:creationId xmlns:a16="http://schemas.microsoft.com/office/drawing/2014/main" id="{1EBE7974-A96D-481C-B91C-A5CE8BE899B0}"/>
               </a:ext>
             </a:extLst>
           </p:cNvPr>
@@ -846,7 +846,7 @@
           <p:cNvPr id="4" name="날짜 개체 틀 3">
             <a:extLst>
               <a:ext uri="{FF2B5EF4-FFF2-40B4-BE49-F238E27FC236}">
-                <a16:creationId xmlns:a16="http://schemas.microsoft.com/office/drawing/2014/main" xmlns="" id="{A9B227A7-8D86-4956-BEB6-DD5FE00E1EB5}"/>
+                <a16:creationId xmlns:a16="http://schemas.microsoft.com/office/drawing/2014/main" id="{A9B227A7-8D86-4956-BEB6-DD5FE00E1EB5}"/>
               </a:ext>
             </a:extLst>
           </p:cNvPr>
@@ -875,7 +875,7 @@
           <p:cNvPr id="5" name="바닥글 개체 틀 4">
             <a:extLst>
               <a:ext uri="{FF2B5EF4-FFF2-40B4-BE49-F238E27FC236}">
-                <a16:creationId xmlns:a16="http://schemas.microsoft.com/office/drawing/2014/main" xmlns="" id="{EB9A8035-C912-43B2-AB75-E23B59C3B3D4}"/>
+                <a16:creationId xmlns:a16="http://schemas.microsoft.com/office/drawing/2014/main" id="{EB9A8035-C912-43B2-AB75-E23B59C3B3D4}"/>
               </a:ext>
             </a:extLst>
           </p:cNvPr>
@@ -900,7 +900,7 @@
           <p:cNvPr id="6" name="슬라이드 번호 개체 틀 5">
             <a:extLst>
               <a:ext uri="{FF2B5EF4-FFF2-40B4-BE49-F238E27FC236}">
-                <a16:creationId xmlns:a16="http://schemas.microsoft.com/office/drawing/2014/main" xmlns="" id="{F2BB669E-C55B-4D83-B801-BCBD87C0EED1}"/>
+                <a16:creationId xmlns:a16="http://schemas.microsoft.com/office/drawing/2014/main" id="{F2BB669E-C55B-4D83-B801-BCBD87C0EED1}"/>
               </a:ext>
             </a:extLst>
           </p:cNvPr>
@@ -959,7 +959,7 @@
           <p:cNvPr id="2" name="제목 1">
             <a:extLst>
               <a:ext uri="{FF2B5EF4-FFF2-40B4-BE49-F238E27FC236}">
-                <a16:creationId xmlns:a16="http://schemas.microsoft.com/office/drawing/2014/main" xmlns="" id="{DC528A40-DF73-46E2-9927-AF44612DDD8D}"/>
+                <a16:creationId xmlns:a16="http://schemas.microsoft.com/office/drawing/2014/main" id="{DC528A40-DF73-46E2-9927-AF44612DDD8D}"/>
               </a:ext>
             </a:extLst>
           </p:cNvPr>
@@ -996,7 +996,7 @@
           <p:cNvPr id="3" name="텍스트 개체 틀 2">
             <a:extLst>
               <a:ext uri="{FF2B5EF4-FFF2-40B4-BE49-F238E27FC236}">
-                <a16:creationId xmlns:a16="http://schemas.microsoft.com/office/drawing/2014/main" xmlns="" id="{5F51547A-D8DC-459E-B27C-1A5209CF38EA}"/>
+                <a16:creationId xmlns:a16="http://schemas.microsoft.com/office/drawing/2014/main" id="{5F51547A-D8DC-459E-B27C-1A5209CF38EA}"/>
               </a:ext>
             </a:extLst>
           </p:cNvPr>
@@ -1121,7 +1121,7 @@
           <p:cNvPr id="4" name="날짜 개체 틀 3">
             <a:extLst>
               <a:ext uri="{FF2B5EF4-FFF2-40B4-BE49-F238E27FC236}">
-                <a16:creationId xmlns:a16="http://schemas.microsoft.com/office/drawing/2014/main" xmlns="" id="{AAB55B49-05A4-49B1-BBDC-414A09B5999C}"/>
+                <a16:creationId xmlns:a16="http://schemas.microsoft.com/office/drawing/2014/main" id="{AAB55B49-05A4-49B1-BBDC-414A09B5999C}"/>
               </a:ext>
             </a:extLst>
           </p:cNvPr>
@@ -1150,7 +1150,7 @@
           <p:cNvPr id="5" name="바닥글 개체 틀 4">
             <a:extLst>
               <a:ext uri="{FF2B5EF4-FFF2-40B4-BE49-F238E27FC236}">
-                <a16:creationId xmlns:a16="http://schemas.microsoft.com/office/drawing/2014/main" xmlns="" id="{BF9CF775-50E0-4916-B0D9-36371EAECA6A}"/>
+                <a16:creationId xmlns:a16="http://schemas.microsoft.com/office/drawing/2014/main" id="{BF9CF775-50E0-4916-B0D9-36371EAECA6A}"/>
               </a:ext>
             </a:extLst>
           </p:cNvPr>
@@ -1175,7 +1175,7 @@
           <p:cNvPr id="6" name="슬라이드 번호 개체 틀 5">
             <a:extLst>
               <a:ext uri="{FF2B5EF4-FFF2-40B4-BE49-F238E27FC236}">
-                <a16:creationId xmlns:a16="http://schemas.microsoft.com/office/drawing/2014/main" xmlns="" id="{50D8B228-DD36-4D38-A4D0-AAB4A19EFFAB}"/>
+                <a16:creationId xmlns:a16="http://schemas.microsoft.com/office/drawing/2014/main" id="{50D8B228-DD36-4D38-A4D0-AAB4A19EFFAB}"/>
               </a:ext>
             </a:extLst>
           </p:cNvPr>
@@ -1234,7 +1234,7 @@
           <p:cNvPr id="2" name="제목 1">
             <a:extLst>
               <a:ext uri="{FF2B5EF4-FFF2-40B4-BE49-F238E27FC236}">
-                <a16:creationId xmlns:a16="http://schemas.microsoft.com/office/drawing/2014/main" xmlns="" id="{90C43CEE-2003-4C07-9266-A23B875F2374}"/>
+                <a16:creationId xmlns:a16="http://schemas.microsoft.com/office/drawing/2014/main" id="{90C43CEE-2003-4C07-9266-A23B875F2374}"/>
               </a:ext>
             </a:extLst>
           </p:cNvPr>
@@ -1262,7 +1262,7 @@
           <p:cNvPr id="3" name="내용 개체 틀 2">
             <a:extLst>
               <a:ext uri="{FF2B5EF4-FFF2-40B4-BE49-F238E27FC236}">
-                <a16:creationId xmlns:a16="http://schemas.microsoft.com/office/drawing/2014/main" xmlns="" id="{66420CA9-EEC6-47FE-8A9A-84F2498B5370}"/>
+                <a16:creationId xmlns:a16="http://schemas.microsoft.com/office/drawing/2014/main" id="{66420CA9-EEC6-47FE-8A9A-84F2498B5370}"/>
               </a:ext>
             </a:extLst>
           </p:cNvPr>
@@ -1324,7 +1324,7 @@
           <p:cNvPr id="4" name="내용 개체 틀 3">
             <a:extLst>
               <a:ext uri="{FF2B5EF4-FFF2-40B4-BE49-F238E27FC236}">
-                <a16:creationId xmlns:a16="http://schemas.microsoft.com/office/drawing/2014/main" xmlns="" id="{FF3EB58D-6581-4706-82C4-689BAF25C8C5}"/>
+                <a16:creationId xmlns:a16="http://schemas.microsoft.com/office/drawing/2014/main" id="{FF3EB58D-6581-4706-82C4-689BAF25C8C5}"/>
               </a:ext>
             </a:extLst>
           </p:cNvPr>
@@ -1386,7 +1386,7 @@
           <p:cNvPr id="5" name="날짜 개체 틀 4">
             <a:extLst>
               <a:ext uri="{FF2B5EF4-FFF2-40B4-BE49-F238E27FC236}">
-                <a16:creationId xmlns:a16="http://schemas.microsoft.com/office/drawing/2014/main" xmlns="" id="{1A6A55EA-2D85-4EA1-BC54-E2DBE7237512}"/>
+                <a16:creationId xmlns:a16="http://schemas.microsoft.com/office/drawing/2014/main" id="{1A6A55EA-2D85-4EA1-BC54-E2DBE7237512}"/>
               </a:ext>
             </a:extLst>
           </p:cNvPr>
@@ -1415,7 +1415,7 @@
           <p:cNvPr id="6" name="바닥글 개체 틀 5">
             <a:extLst>
               <a:ext uri="{FF2B5EF4-FFF2-40B4-BE49-F238E27FC236}">
-                <a16:creationId xmlns:a16="http://schemas.microsoft.com/office/drawing/2014/main" xmlns="" id="{8DC827F3-59A7-49CE-AE08-1E6B7C594161}"/>
+                <a16:creationId xmlns:a16="http://schemas.microsoft.com/office/drawing/2014/main" id="{8DC827F3-59A7-49CE-AE08-1E6B7C594161}"/>
               </a:ext>
             </a:extLst>
           </p:cNvPr>
@@ -1440,7 +1440,7 @@
           <p:cNvPr id="7" name="슬라이드 번호 개체 틀 6">
             <a:extLst>
               <a:ext uri="{FF2B5EF4-FFF2-40B4-BE49-F238E27FC236}">
-                <a16:creationId xmlns:a16="http://schemas.microsoft.com/office/drawing/2014/main" xmlns="" id="{15C4828D-C1C3-46E4-A57E-618F9B80A8A9}"/>
+                <a16:creationId xmlns:a16="http://schemas.microsoft.com/office/drawing/2014/main" id="{15C4828D-C1C3-46E4-A57E-618F9B80A8A9}"/>
               </a:ext>
             </a:extLst>
           </p:cNvPr>
@@ -1499,7 +1499,7 @@
           <p:cNvPr id="2" name="제목 1">
             <a:extLst>
               <a:ext uri="{FF2B5EF4-FFF2-40B4-BE49-F238E27FC236}">
-                <a16:creationId xmlns:a16="http://schemas.microsoft.com/office/drawing/2014/main" xmlns="" id="{BDAE4EC6-7F2D-4CD3-9B55-99F1AC6DA2EC}"/>
+                <a16:creationId xmlns:a16="http://schemas.microsoft.com/office/drawing/2014/main" id="{BDAE4EC6-7F2D-4CD3-9B55-99F1AC6DA2EC}"/>
               </a:ext>
             </a:extLst>
           </p:cNvPr>
@@ -1532,7 +1532,7 @@
           <p:cNvPr id="3" name="텍스트 개체 틀 2">
             <a:extLst>
               <a:ext uri="{FF2B5EF4-FFF2-40B4-BE49-F238E27FC236}">
-                <a16:creationId xmlns:a16="http://schemas.microsoft.com/office/drawing/2014/main" xmlns="" id="{BB4B0E41-D88D-4EDA-9AFB-FC0B4F491143}"/>
+                <a16:creationId xmlns:a16="http://schemas.microsoft.com/office/drawing/2014/main" id="{BB4B0E41-D88D-4EDA-9AFB-FC0B4F491143}"/>
               </a:ext>
             </a:extLst>
           </p:cNvPr>
@@ -1603,7 +1603,7 @@
           <p:cNvPr id="4" name="내용 개체 틀 3">
             <a:extLst>
               <a:ext uri="{FF2B5EF4-FFF2-40B4-BE49-F238E27FC236}">
-                <a16:creationId xmlns:a16="http://schemas.microsoft.com/office/drawing/2014/main" xmlns="" id="{9D026380-2FA4-4251-8F25-14E3642E7FE5}"/>
+                <a16:creationId xmlns:a16="http://schemas.microsoft.com/office/drawing/2014/main" id="{9D026380-2FA4-4251-8F25-14E3642E7FE5}"/>
               </a:ext>
             </a:extLst>
           </p:cNvPr>
@@ -1665,7 +1665,7 @@
           <p:cNvPr id="5" name="텍스트 개체 틀 4">
             <a:extLst>
               <a:ext uri="{FF2B5EF4-FFF2-40B4-BE49-F238E27FC236}">
-                <a16:creationId xmlns:a16="http://schemas.microsoft.com/office/drawing/2014/main" xmlns="" id="{3FB36EE2-CE49-437F-919C-3A5D04B4E87B}"/>
+                <a16:creationId xmlns:a16="http://schemas.microsoft.com/office/drawing/2014/main" id="{3FB36EE2-CE49-437F-919C-3A5D04B4E87B}"/>
               </a:ext>
             </a:extLst>
           </p:cNvPr>
@@ -1736,7 +1736,7 @@
           <p:cNvPr id="6" name="내용 개체 틀 5">
             <a:extLst>
               <a:ext uri="{FF2B5EF4-FFF2-40B4-BE49-F238E27FC236}">
-                <a16:creationId xmlns:a16="http://schemas.microsoft.com/office/drawing/2014/main" xmlns="" id="{F39B27BF-9590-4C1D-8D69-767A19AD085C}"/>
+                <a16:creationId xmlns:a16="http://schemas.microsoft.com/office/drawing/2014/main" id="{F39B27BF-9590-4C1D-8D69-767A19AD085C}"/>
               </a:ext>
             </a:extLst>
           </p:cNvPr>
@@ -1798,7 +1798,7 @@
           <p:cNvPr id="7" name="날짜 개체 틀 6">
             <a:extLst>
               <a:ext uri="{FF2B5EF4-FFF2-40B4-BE49-F238E27FC236}">
-                <a16:creationId xmlns:a16="http://schemas.microsoft.com/office/drawing/2014/main" xmlns="" id="{194EC93A-B122-492A-8EF7-B083C98009B0}"/>
+                <a16:creationId xmlns:a16="http://schemas.microsoft.com/office/drawing/2014/main" id="{194EC93A-B122-492A-8EF7-B083C98009B0}"/>
               </a:ext>
             </a:extLst>
           </p:cNvPr>
@@ -1827,7 +1827,7 @@
           <p:cNvPr id="8" name="바닥글 개체 틀 7">
             <a:extLst>
               <a:ext uri="{FF2B5EF4-FFF2-40B4-BE49-F238E27FC236}">
-                <a16:creationId xmlns:a16="http://schemas.microsoft.com/office/drawing/2014/main" xmlns="" id="{71E3A9CE-B07C-4188-A4A6-8D917D5272DB}"/>
+                <a16:creationId xmlns:a16="http://schemas.microsoft.com/office/drawing/2014/main" id="{71E3A9CE-B07C-4188-A4A6-8D917D5272DB}"/>
               </a:ext>
             </a:extLst>
           </p:cNvPr>
@@ -1852,7 +1852,7 @@
           <p:cNvPr id="9" name="슬라이드 번호 개체 틀 8">
             <a:extLst>
               <a:ext uri="{FF2B5EF4-FFF2-40B4-BE49-F238E27FC236}">
-                <a16:creationId xmlns:a16="http://schemas.microsoft.com/office/drawing/2014/main" xmlns="" id="{B4133177-1A74-458C-B1BD-29EC7A5AF83A}"/>
+                <a16:creationId xmlns:a16="http://schemas.microsoft.com/office/drawing/2014/main" id="{B4133177-1A74-458C-B1BD-29EC7A5AF83A}"/>
               </a:ext>
             </a:extLst>
           </p:cNvPr>
@@ -1911,7 +1911,7 @@
           <p:cNvPr id="2" name="제목 1">
             <a:extLst>
               <a:ext uri="{FF2B5EF4-FFF2-40B4-BE49-F238E27FC236}">
-                <a16:creationId xmlns:a16="http://schemas.microsoft.com/office/drawing/2014/main" xmlns="" id="{C072ECE9-9832-46A0-9778-1C644954C95D}"/>
+                <a16:creationId xmlns:a16="http://schemas.microsoft.com/office/drawing/2014/main" id="{C072ECE9-9832-46A0-9778-1C644954C95D}"/>
               </a:ext>
             </a:extLst>
           </p:cNvPr>
@@ -1939,7 +1939,7 @@
           <p:cNvPr id="3" name="날짜 개체 틀 2">
             <a:extLst>
               <a:ext uri="{FF2B5EF4-FFF2-40B4-BE49-F238E27FC236}">
-                <a16:creationId xmlns:a16="http://schemas.microsoft.com/office/drawing/2014/main" xmlns="" id="{4B93C587-1FE4-40AC-AAAF-AAD3DB08450F}"/>
+                <a16:creationId xmlns:a16="http://schemas.microsoft.com/office/drawing/2014/main" id="{4B93C587-1FE4-40AC-AAAF-AAD3DB08450F}"/>
               </a:ext>
             </a:extLst>
           </p:cNvPr>
@@ -1968,7 +1968,7 @@
           <p:cNvPr id="4" name="바닥글 개체 틀 3">
             <a:extLst>
               <a:ext uri="{FF2B5EF4-FFF2-40B4-BE49-F238E27FC236}">
-                <a16:creationId xmlns:a16="http://schemas.microsoft.com/office/drawing/2014/main" xmlns="" id="{7F374B71-2349-4634-B01F-73730600D788}"/>
+                <a16:creationId xmlns:a16="http://schemas.microsoft.com/office/drawing/2014/main" id="{7F374B71-2349-4634-B01F-73730600D788}"/>
               </a:ext>
             </a:extLst>
           </p:cNvPr>
@@ -1993,7 +1993,7 @@
           <p:cNvPr id="5" name="슬라이드 번호 개체 틀 4">
             <a:extLst>
               <a:ext uri="{FF2B5EF4-FFF2-40B4-BE49-F238E27FC236}">
-                <a16:creationId xmlns:a16="http://schemas.microsoft.com/office/drawing/2014/main" xmlns="" id="{35F51FE0-6DB4-40F6-8A9E-351C8A0971AB}"/>
+                <a16:creationId xmlns:a16="http://schemas.microsoft.com/office/drawing/2014/main" id="{35F51FE0-6DB4-40F6-8A9E-351C8A0971AB}"/>
               </a:ext>
             </a:extLst>
           </p:cNvPr>
@@ -2052,7 +2052,7 @@
           <p:cNvPr id="2" name="날짜 개체 틀 1">
             <a:extLst>
               <a:ext uri="{FF2B5EF4-FFF2-40B4-BE49-F238E27FC236}">
-                <a16:creationId xmlns:a16="http://schemas.microsoft.com/office/drawing/2014/main" xmlns="" id="{75E24611-3C43-4CE7-96D9-48DFF26066C0}"/>
+                <a16:creationId xmlns:a16="http://schemas.microsoft.com/office/drawing/2014/main" id="{75E24611-3C43-4CE7-96D9-48DFF26066C0}"/>
               </a:ext>
             </a:extLst>
           </p:cNvPr>
@@ -2081,7 +2081,7 @@
           <p:cNvPr id="3" name="바닥글 개체 틀 2">
             <a:extLst>
               <a:ext uri="{FF2B5EF4-FFF2-40B4-BE49-F238E27FC236}">
-                <a16:creationId xmlns:a16="http://schemas.microsoft.com/office/drawing/2014/main" xmlns="" id="{9BA22B34-9918-49EB-81A8-097FB47E01AD}"/>
+                <a16:creationId xmlns:a16="http://schemas.microsoft.com/office/drawing/2014/main" id="{9BA22B34-9918-49EB-81A8-097FB47E01AD}"/>
               </a:ext>
             </a:extLst>
           </p:cNvPr>
@@ -2106,7 +2106,7 @@
           <p:cNvPr id="4" name="슬라이드 번호 개체 틀 3">
             <a:extLst>
               <a:ext uri="{FF2B5EF4-FFF2-40B4-BE49-F238E27FC236}">
-                <a16:creationId xmlns:a16="http://schemas.microsoft.com/office/drawing/2014/main" xmlns="" id="{542F4E6B-05C4-4509-BF03-EDA38BE07951}"/>
+                <a16:creationId xmlns:a16="http://schemas.microsoft.com/office/drawing/2014/main" id="{542F4E6B-05C4-4509-BF03-EDA38BE07951}"/>
               </a:ext>
             </a:extLst>
           </p:cNvPr>
@@ -2165,7 +2165,7 @@
           <p:cNvPr id="2" name="제목 1">
             <a:extLst>
               <a:ext uri="{FF2B5EF4-FFF2-40B4-BE49-F238E27FC236}">
-                <a16:creationId xmlns:a16="http://schemas.microsoft.com/office/drawing/2014/main" xmlns="" id="{C061778C-09D6-432E-BC89-8BFC083C23A2}"/>
+                <a16:creationId xmlns:a16="http://schemas.microsoft.com/office/drawing/2014/main" id="{C061778C-09D6-432E-BC89-8BFC083C23A2}"/>
               </a:ext>
             </a:extLst>
           </p:cNvPr>
@@ -2202,7 +2202,7 @@
           <p:cNvPr id="3" name="내용 개체 틀 2">
             <a:extLst>
               <a:ext uri="{FF2B5EF4-FFF2-40B4-BE49-F238E27FC236}">
-                <a16:creationId xmlns:a16="http://schemas.microsoft.com/office/drawing/2014/main" xmlns="" id="{3773FF73-0169-43D0-852E-4AEF54E0124D}"/>
+                <a16:creationId xmlns:a16="http://schemas.microsoft.com/office/drawing/2014/main" id="{3773FF73-0169-43D0-852E-4AEF54E0124D}"/>
               </a:ext>
             </a:extLst>
           </p:cNvPr>
@@ -2292,7 +2292,7 @@
           <p:cNvPr id="4" name="텍스트 개체 틀 3">
             <a:extLst>
               <a:ext uri="{FF2B5EF4-FFF2-40B4-BE49-F238E27FC236}">
-                <a16:creationId xmlns:a16="http://schemas.microsoft.com/office/drawing/2014/main" xmlns="" id="{2CC599FD-C47F-4E4E-80D9-B442884AEC80}"/>
+                <a16:creationId xmlns:a16="http://schemas.microsoft.com/office/drawing/2014/main" id="{2CC599FD-C47F-4E4E-80D9-B442884AEC80}"/>
               </a:ext>
             </a:extLst>
           </p:cNvPr>
@@ -2363,7 +2363,7 @@
           <p:cNvPr id="5" name="날짜 개체 틀 4">
             <a:extLst>
               <a:ext uri="{FF2B5EF4-FFF2-40B4-BE49-F238E27FC236}">
-                <a16:creationId xmlns:a16="http://schemas.microsoft.com/office/drawing/2014/main" xmlns="" id="{A69A82D9-8E82-444B-9FEC-C720DD6D2542}"/>
+                <a16:creationId xmlns:a16="http://schemas.microsoft.com/office/drawing/2014/main" id="{A69A82D9-8E82-444B-9FEC-C720DD6D2542}"/>
               </a:ext>
             </a:extLst>
           </p:cNvPr>
@@ -2392,7 +2392,7 @@
           <p:cNvPr id="6" name="바닥글 개체 틀 5">
             <a:extLst>
               <a:ext uri="{FF2B5EF4-FFF2-40B4-BE49-F238E27FC236}">
-                <a16:creationId xmlns:a16="http://schemas.microsoft.com/office/drawing/2014/main" xmlns="" id="{64DEAEFF-7D0A-4A09-A7CB-6AF16E20068F}"/>
+                <a16:creationId xmlns:a16="http://schemas.microsoft.com/office/drawing/2014/main" id="{64DEAEFF-7D0A-4A09-A7CB-6AF16E20068F}"/>
               </a:ext>
             </a:extLst>
           </p:cNvPr>
@@ -2417,7 +2417,7 @@
           <p:cNvPr id="7" name="슬라이드 번호 개체 틀 6">
             <a:extLst>
               <a:ext uri="{FF2B5EF4-FFF2-40B4-BE49-F238E27FC236}">
-                <a16:creationId xmlns:a16="http://schemas.microsoft.com/office/drawing/2014/main" xmlns="" id="{802E7032-77B8-4D02-8503-92EDF498E53B}"/>
+                <a16:creationId xmlns:a16="http://schemas.microsoft.com/office/drawing/2014/main" id="{802E7032-77B8-4D02-8503-92EDF498E53B}"/>
               </a:ext>
             </a:extLst>
           </p:cNvPr>
@@ -2476,7 +2476,7 @@
           <p:cNvPr id="2" name="제목 1">
             <a:extLst>
               <a:ext uri="{FF2B5EF4-FFF2-40B4-BE49-F238E27FC236}">
-                <a16:creationId xmlns:a16="http://schemas.microsoft.com/office/drawing/2014/main" xmlns="" id="{3C8CE581-C57A-45A0-B6AB-906D8FA61D93}"/>
+                <a16:creationId xmlns:a16="http://schemas.microsoft.com/office/drawing/2014/main" id="{3C8CE581-C57A-45A0-B6AB-906D8FA61D93}"/>
               </a:ext>
             </a:extLst>
           </p:cNvPr>
@@ -2513,7 +2513,7 @@
           <p:cNvPr id="3" name="그림 개체 틀 2">
             <a:extLst>
               <a:ext uri="{FF2B5EF4-FFF2-40B4-BE49-F238E27FC236}">
-                <a16:creationId xmlns:a16="http://schemas.microsoft.com/office/drawing/2014/main" xmlns="" id="{6E00D29D-DCFF-47E4-AA75-343BB8F0C5A1}"/>
+                <a16:creationId xmlns:a16="http://schemas.microsoft.com/office/drawing/2014/main" id="{6E00D29D-DCFF-47E4-AA75-343BB8F0C5A1}"/>
               </a:ext>
             </a:extLst>
           </p:cNvPr>
@@ -2580,7 +2580,7 @@
           <p:cNvPr id="4" name="텍스트 개체 틀 3">
             <a:extLst>
               <a:ext uri="{FF2B5EF4-FFF2-40B4-BE49-F238E27FC236}">
-                <a16:creationId xmlns:a16="http://schemas.microsoft.com/office/drawing/2014/main" xmlns="" id="{943B91CE-4D10-45A9-AF01-D4DFA76B713E}"/>
+                <a16:creationId xmlns:a16="http://schemas.microsoft.com/office/drawing/2014/main" id="{943B91CE-4D10-45A9-AF01-D4DFA76B713E}"/>
               </a:ext>
             </a:extLst>
           </p:cNvPr>
@@ -2651,7 +2651,7 @@
           <p:cNvPr id="5" name="날짜 개체 틀 4">
             <a:extLst>
               <a:ext uri="{FF2B5EF4-FFF2-40B4-BE49-F238E27FC236}">
-                <a16:creationId xmlns:a16="http://schemas.microsoft.com/office/drawing/2014/main" xmlns="" id="{BF3B3CCE-615A-4C72-8BEA-8723D0D5B545}"/>
+                <a16:creationId xmlns:a16="http://schemas.microsoft.com/office/drawing/2014/main" id="{BF3B3CCE-615A-4C72-8BEA-8723D0D5B545}"/>
               </a:ext>
             </a:extLst>
           </p:cNvPr>
@@ -2680,7 +2680,7 @@
           <p:cNvPr id="6" name="바닥글 개체 틀 5">
             <a:extLst>
               <a:ext uri="{FF2B5EF4-FFF2-40B4-BE49-F238E27FC236}">
-                <a16:creationId xmlns:a16="http://schemas.microsoft.com/office/drawing/2014/main" xmlns="" id="{CF19BE0B-5704-45A5-B239-BF51EC54A09A}"/>
+                <a16:creationId xmlns:a16="http://schemas.microsoft.com/office/drawing/2014/main" id="{CF19BE0B-5704-45A5-B239-BF51EC54A09A}"/>
               </a:ext>
             </a:extLst>
           </p:cNvPr>
@@ -2705,7 +2705,7 @@
           <p:cNvPr id="7" name="슬라이드 번호 개체 틀 6">
             <a:extLst>
               <a:ext uri="{FF2B5EF4-FFF2-40B4-BE49-F238E27FC236}">
-                <a16:creationId xmlns:a16="http://schemas.microsoft.com/office/drawing/2014/main" xmlns="" id="{F9DFE9B7-B7BE-4858-A638-6830E5DF2BC8}"/>
+                <a16:creationId xmlns:a16="http://schemas.microsoft.com/office/drawing/2014/main" id="{F9DFE9B7-B7BE-4858-A638-6830E5DF2BC8}"/>
               </a:ext>
             </a:extLst>
           </p:cNvPr>
@@ -2769,7 +2769,7 @@
           <p:cNvPr id="2" name="제목 개체 틀 1">
             <a:extLst>
               <a:ext uri="{FF2B5EF4-FFF2-40B4-BE49-F238E27FC236}">
-                <a16:creationId xmlns:a16="http://schemas.microsoft.com/office/drawing/2014/main" xmlns="" id="{191A6370-BC0E-4999-ABD2-50886AC5E23C}"/>
+                <a16:creationId xmlns:a16="http://schemas.microsoft.com/office/drawing/2014/main" id="{191A6370-BC0E-4999-ABD2-50886AC5E23C}"/>
               </a:ext>
             </a:extLst>
           </p:cNvPr>
@@ -2807,7 +2807,7 @@
           <p:cNvPr id="3" name="텍스트 개체 틀 2">
             <a:extLst>
               <a:ext uri="{FF2B5EF4-FFF2-40B4-BE49-F238E27FC236}">
-                <a16:creationId xmlns:a16="http://schemas.microsoft.com/office/drawing/2014/main" xmlns="" id="{768DD99F-CB50-4386-8AE6-BBCEFA97EEFF}"/>
+                <a16:creationId xmlns:a16="http://schemas.microsoft.com/office/drawing/2014/main" id="{768DD99F-CB50-4386-8AE6-BBCEFA97EEFF}"/>
               </a:ext>
             </a:extLst>
           </p:cNvPr>
@@ -2874,7 +2874,7 @@
           <p:cNvPr id="4" name="날짜 개체 틀 3">
             <a:extLst>
               <a:ext uri="{FF2B5EF4-FFF2-40B4-BE49-F238E27FC236}">
-                <a16:creationId xmlns:a16="http://schemas.microsoft.com/office/drawing/2014/main" xmlns="" id="{5BEA2509-2125-422B-9403-31D23BF1F9E0}"/>
+                <a16:creationId xmlns:a16="http://schemas.microsoft.com/office/drawing/2014/main" id="{5BEA2509-2125-422B-9403-31D23BF1F9E0}"/>
               </a:ext>
             </a:extLst>
           </p:cNvPr>
@@ -2921,7 +2921,7 @@
           <p:cNvPr id="5" name="바닥글 개체 틀 4">
             <a:extLst>
               <a:ext uri="{FF2B5EF4-FFF2-40B4-BE49-F238E27FC236}">
-                <a16:creationId xmlns:a16="http://schemas.microsoft.com/office/drawing/2014/main" xmlns="" id="{78DD269D-1953-4733-A8FF-561A5CD5F1FF}"/>
+                <a16:creationId xmlns:a16="http://schemas.microsoft.com/office/drawing/2014/main" id="{78DD269D-1953-4733-A8FF-561A5CD5F1FF}"/>
               </a:ext>
             </a:extLst>
           </p:cNvPr>
@@ -2964,7 +2964,7 @@
           <p:cNvPr id="6" name="슬라이드 번호 개체 틀 5">
             <a:extLst>
               <a:ext uri="{FF2B5EF4-FFF2-40B4-BE49-F238E27FC236}">
-                <a16:creationId xmlns:a16="http://schemas.microsoft.com/office/drawing/2014/main" xmlns="" id="{825DAF75-9635-4999-843A-447E5185A52C}"/>
+                <a16:creationId xmlns:a16="http://schemas.microsoft.com/office/drawing/2014/main" id="{825DAF75-9635-4999-843A-447E5185A52C}"/>
               </a:ext>
             </a:extLst>
           </p:cNvPr>
@@ -3332,7 +3332,7 @@
           <p:cNvPr id="2" name="TextBox 1">
             <a:extLst>
               <a:ext uri="{FF2B5EF4-FFF2-40B4-BE49-F238E27FC236}">
-                <a16:creationId xmlns:a16="http://schemas.microsoft.com/office/drawing/2014/main" xmlns="" id="{67EAEC36-3C55-4BCA-8DC1-E45A1145A46F}"/>
+                <a16:creationId xmlns:a16="http://schemas.microsoft.com/office/drawing/2014/main" id="{67EAEC36-3C55-4BCA-8DC1-E45A1145A46F}"/>
               </a:ext>
             </a:extLst>
           </p:cNvPr>
@@ -3396,7 +3396,7 @@
           <p:cNvPr id="3" name="TextBox 2">
             <a:extLst>
               <a:ext uri="{FF2B5EF4-FFF2-40B4-BE49-F238E27FC236}">
-                <a16:creationId xmlns:a16="http://schemas.microsoft.com/office/drawing/2014/main" xmlns="" id="{D1894AB7-5E15-403A-9DDA-E67B50E52878}"/>
+                <a16:creationId xmlns:a16="http://schemas.microsoft.com/office/drawing/2014/main" id="{D1894AB7-5E15-403A-9DDA-E67B50E52878}"/>
               </a:ext>
             </a:extLst>
           </p:cNvPr>
@@ -3437,7 +3437,7 @@
           <p:cNvPr id="4" name="TextBox 3">
             <a:extLst>
               <a:ext uri="{FF2B5EF4-FFF2-40B4-BE49-F238E27FC236}">
-                <a16:creationId xmlns:a16="http://schemas.microsoft.com/office/drawing/2014/main" xmlns="" id="{9D0171C9-7CC7-43F2-96C3-E82B1314571B}"/>
+                <a16:creationId xmlns:a16="http://schemas.microsoft.com/office/drawing/2014/main" id="{9D0171C9-7CC7-43F2-96C3-E82B1314571B}"/>
               </a:ext>
             </a:extLst>
           </p:cNvPr>
@@ -3446,7 +3446,7 @@
         </p:nvSpPr>
         <p:spPr>
           <a:xfrm>
-            <a:off x="646234" y="2576264"/>
+            <a:off x="646234" y="1476807"/>
             <a:ext cx="5632253" cy="400110"/>
           </a:xfrm>
           <a:prstGeom prst="rect">
@@ -3477,7 +3477,7 @@
           <p:cNvPr id="5" name="TextBox 4">
             <a:extLst>
               <a:ext uri="{FF2B5EF4-FFF2-40B4-BE49-F238E27FC236}">
-                <a16:creationId xmlns:a16="http://schemas.microsoft.com/office/drawing/2014/main" xmlns="" id="{A33725E9-EEDE-4AA6-8B20-0B4E2B64BFE3}"/>
+                <a16:creationId xmlns:a16="http://schemas.microsoft.com/office/drawing/2014/main" id="{A33725E9-EEDE-4AA6-8B20-0B4E2B64BFE3}"/>
               </a:ext>
             </a:extLst>
           </p:cNvPr>
@@ -3486,7 +3486,7 @@
         </p:nvSpPr>
         <p:spPr>
           <a:xfrm>
-            <a:off x="6527799" y="2576264"/>
+            <a:off x="6527799" y="1476807"/>
             <a:ext cx="5632253" cy="400110"/>
           </a:xfrm>
           <a:prstGeom prst="rect">
@@ -3517,7 +3517,7 @@
           <p:cNvPr id="7" name="TextBox 6">
             <a:extLst>
               <a:ext uri="{FF2B5EF4-FFF2-40B4-BE49-F238E27FC236}">
-                <a16:creationId xmlns:a16="http://schemas.microsoft.com/office/drawing/2014/main" xmlns="" id="{0A42E698-1083-4A24-96FC-AEDCAD3DFE21}"/>
+                <a16:creationId xmlns:a16="http://schemas.microsoft.com/office/drawing/2014/main" id="{0A42E698-1083-4A24-96FC-AEDCAD3DFE21}"/>
               </a:ext>
             </a:extLst>
           </p:cNvPr>
@@ -3526,7 +3526,7 @@
         </p:nvSpPr>
         <p:spPr>
           <a:xfrm>
-            <a:off x="836735" y="3014414"/>
+            <a:off x="836735" y="1914957"/>
             <a:ext cx="4016620" cy="1323439"/>
           </a:xfrm>
           <a:prstGeom prst="rect">
@@ -3542,44 +3542,28 @@
           <a:p>
             <a:r>
               <a:rPr lang="en-US" altLang="ko-KR" sz="2000" dirty="0"/>
-              <a:t>We adopted the DFS </a:t>
-            </a:r>
-            <a:r>
-              <a:rPr lang="en-US" altLang="ko-KR" sz="2000" dirty="0" smtClean="0"/>
-              <a:t>and backtracking algorithm </a:t>
+              <a:t>We adopted the DFS and backtracking algorithm which uses pruning to deal with the TSP</a:t>
+            </a:r>
+            <a:r>
+              <a:rPr lang="en-US" altLang="ko-KR" sz="1000" dirty="0"/>
+              <a:t>1)</a:t>
             </a:r>
             <a:r>
               <a:rPr lang="en-US" altLang="ko-KR" sz="2000" dirty="0"/>
-              <a:t>which uses pruning to deal with the </a:t>
-            </a:r>
-            <a:r>
-              <a:rPr lang="en-US" altLang="ko-KR" sz="2000" dirty="0" smtClean="0"/>
-              <a:t>TSP</a:t>
-            </a:r>
-            <a:r>
-              <a:rPr lang="en-US" altLang="ko-KR" sz="1000" dirty="0" smtClean="0"/>
-              <a:t>1)</a:t>
-            </a:r>
-            <a:r>
-              <a:rPr lang="en-US" altLang="ko-KR" sz="2000" dirty="0" smtClean="0"/>
-              <a:t> </a:t>
-            </a:r>
-            <a:r>
-              <a:rPr lang="en-US" altLang="ko-KR" sz="2000" dirty="0"/>
-              <a:t>in this project.</a:t>
+              <a:t> in this project.</a:t>
             </a:r>
             <a:endParaRPr lang="ko-KR" altLang="en-US" sz="2000" dirty="0"/>
           </a:p>
         </p:txBody>
       </p:sp>
-      <mc:AlternateContent xmlns:mc="http://schemas.openxmlformats.org/markup-compatibility/2006">
-        <mc:Choice xmlns:a14="http://schemas.microsoft.com/office/drawing/2010/main" Requires="a14">
+      <mc:AlternateContent xmlns:mc="http://schemas.openxmlformats.org/markup-compatibility/2006" xmlns:a14="http://schemas.microsoft.com/office/drawing/2010/main">
+        <mc:Choice Requires="a14">
           <p:sp>
             <p:nvSpPr>
               <p:cNvPr id="8" name="TextBox 7">
                 <a:extLst>
                   <a:ext uri="{FF2B5EF4-FFF2-40B4-BE49-F238E27FC236}">
-                    <a16:creationId xmlns:a16="http://schemas.microsoft.com/office/drawing/2014/main" xmlns="" id="{327ED957-58D6-4F1D-800A-A7C0645F044C}"/>
+                    <a16:creationId xmlns:a16="http://schemas.microsoft.com/office/drawing/2014/main" id="{327ED957-58D6-4F1D-800A-A7C0645F044C}"/>
                   </a:ext>
                 </a:extLst>
               </p:cNvPr>
@@ -3588,7 +3572,7 @@
             </p:nvSpPr>
             <p:spPr>
               <a:xfrm>
-                <a:off x="6718299" y="3014414"/>
+                <a:off x="6718299" y="1914957"/>
                 <a:ext cx="4348285" cy="1015663"/>
               </a:xfrm>
               <a:prstGeom prst="rect">
@@ -3604,11 +3588,7 @@
               <a:p>
                 <a:r>
                   <a:rPr lang="en-US" altLang="ko-KR" sz="2000" dirty="0"/>
-                  <a:t>We estimated the execution time as 97300 instructions. The time complexity of </a:t>
-                </a:r>
-                <a:r>
-                  <a:rPr lang="en-US" altLang="ko-KR" sz="2000" dirty="0" smtClean="0"/>
-                  <a:t>TSP problem is </a:t>
+                  <a:t>We estimated the execution time as 97300 instructions. The time complexity of TSP problem is </a:t>
                 </a:r>
                 <a14:m>
                   <m:oMath xmlns:m="http://schemas.openxmlformats.org/officeDocument/2006/math">
@@ -3647,13 +3627,13 @@
             </p:txBody>
           </p:sp>
         </mc:Choice>
-        <mc:Fallback>
+        <mc:Fallback xmlns="">
           <p:sp>
             <p:nvSpPr>
               <p:cNvPr id="8" name="TextBox 7">
                 <a:extLst>
                   <a:ext uri="{FF2B5EF4-FFF2-40B4-BE49-F238E27FC236}">
-                    <a16:creationId xmlns:a16="http://schemas.microsoft.com/office/drawing/2014/main" xmlns:a14="http://schemas.microsoft.com/office/drawing/2010/main" xmlns="" id="{327ED957-58D6-4F1D-800A-A7C0645F044C}"/>
+                    <a16:creationId xmlns:a16="http://schemas.microsoft.com/office/drawing/2014/main" id="{327ED957-58D6-4F1D-800A-A7C0645F044C}"/>
                   </a:ext>
                 </a:extLst>
               </p:cNvPr>
@@ -3664,13 +3644,13 @@
             </p:nvSpPr>
             <p:spPr>
               <a:xfrm>
-                <a:off x="6718299" y="3014414"/>
+                <a:off x="6718299" y="1914957"/>
                 <a:ext cx="4348285" cy="1015663"/>
               </a:xfrm>
               <a:prstGeom prst="rect">
                 <a:avLst/>
               </a:prstGeom>
-              <a:blipFill rotWithShape="0">
+              <a:blipFill>
                 <a:blip r:embed="rId2"/>
                 <a:stretch>
                   <a:fillRect l="-1403" t="-2395" b="-10180"/>
@@ -3697,7 +3677,7 @@
           <p:cNvPr id="20" name="TextBox 19">
             <a:extLst>
               <a:ext uri="{FF2B5EF4-FFF2-40B4-BE49-F238E27FC236}">
-                <a16:creationId xmlns:a16="http://schemas.microsoft.com/office/drawing/2014/main" xmlns="" id="{7B51FB21-B442-46FD-96B9-5F8C500D4697}"/>
+                <a16:creationId xmlns:a16="http://schemas.microsoft.com/office/drawing/2014/main" id="{7B51FB21-B442-46FD-96B9-5F8C500D4697}"/>
               </a:ext>
             </a:extLst>
           </p:cNvPr>
@@ -3738,7 +3718,7 @@
           <p:cNvPr id="21" name="TextBox 20">
             <a:extLst>
               <a:ext uri="{FF2B5EF4-FFF2-40B4-BE49-F238E27FC236}">
-                <a16:creationId xmlns:a16="http://schemas.microsoft.com/office/drawing/2014/main" xmlns="" id="{06C23211-123D-41CE-B695-721155E3AB9A}"/>
+                <a16:creationId xmlns:a16="http://schemas.microsoft.com/office/drawing/2014/main" id="{06C23211-123D-41CE-B695-721155E3AB9A}"/>
               </a:ext>
             </a:extLst>
           </p:cNvPr>
@@ -3808,10 +3788,98 @@
           <a:lstStyle/>
           <a:p>
             <a:r>
-              <a:rPr lang="en-US" altLang="ko-KR" sz="1200" dirty="0" smtClean="0"/>
+              <a:rPr lang="en-US" altLang="ko-KR" sz="1200" dirty="0"/>
               <a:t>1) Traveling Salesman Problem</a:t>
             </a:r>
             <a:endParaRPr lang="ko-KR" altLang="en-US" sz="1200" dirty="0"/>
+          </a:p>
+        </p:txBody>
+      </p:sp>
+      <p:sp>
+        <p:nvSpPr>
+          <p:cNvPr id="6" name="TextBox 5">
+            <a:extLst>
+              <a:ext uri="{FF2B5EF4-FFF2-40B4-BE49-F238E27FC236}">
+                <a16:creationId xmlns:a16="http://schemas.microsoft.com/office/drawing/2014/main" id="{F990B9F8-35C2-472E-9E5F-9CE8E08B302C}"/>
+              </a:ext>
+            </a:extLst>
+          </p:cNvPr>
+          <p:cNvSpPr txBox="1"/>
+          <p:nvPr/>
+        </p:nvSpPr>
+        <p:spPr>
+          <a:xfrm>
+            <a:off x="1389184" y="3926090"/>
+            <a:ext cx="3786066" cy="1200329"/>
+          </a:xfrm>
+          <a:prstGeom prst="rect">
+            <a:avLst/>
+          </a:prstGeom>
+          <a:noFill/>
+        </p:spPr>
+        <p:txBody>
+          <a:bodyPr wrap="square" rtlCol="0">
+            <a:spAutoFit/>
+          </a:bodyPr>
+          <a:lstStyle/>
+          <a:p>
+            <a:r>
+              <a:rPr lang="en-US" altLang="ko-KR" sz="3600" dirty="0">
+                <a:latin typeface="+mj-lt"/>
+              </a:rPr>
+              <a:t>DFS + Backtracking</a:t>
+            </a:r>
+            <a:endParaRPr lang="ko-KR" altLang="en-US" sz="3600" dirty="0">
+              <a:latin typeface="+mj-lt"/>
+            </a:endParaRPr>
+          </a:p>
+        </p:txBody>
+      </p:sp>
+      <p:sp>
+        <p:nvSpPr>
+          <p:cNvPr id="12" name="TextBox 11">
+            <a:extLst>
+              <a:ext uri="{FF2B5EF4-FFF2-40B4-BE49-F238E27FC236}">
+                <a16:creationId xmlns:a16="http://schemas.microsoft.com/office/drawing/2014/main" id="{DC0CE2B8-EAAA-4A2D-8CF3-CEF15C7C3562}"/>
+              </a:ext>
+            </a:extLst>
+          </p:cNvPr>
+          <p:cNvSpPr txBox="1"/>
+          <p:nvPr/>
+        </p:nvSpPr>
+        <p:spPr>
+          <a:xfrm>
+            <a:off x="6777892" y="3926090"/>
+            <a:ext cx="3786066" cy="1200329"/>
+          </a:xfrm>
+          <a:prstGeom prst="rect">
+            <a:avLst/>
+          </a:prstGeom>
+          <a:noFill/>
+        </p:spPr>
+        <p:txBody>
+          <a:bodyPr wrap="square" rtlCol="0">
+            <a:spAutoFit/>
+          </a:bodyPr>
+          <a:lstStyle/>
+          <a:p>
+            <a:r>
+              <a:rPr lang="en-US" altLang="ko-KR" sz="3600" dirty="0">
+                <a:latin typeface="+mj-lt"/>
+              </a:rPr>
+              <a:t>Estimation</a:t>
+            </a:r>
+          </a:p>
+          <a:p>
+            <a:r>
+              <a:rPr lang="en-US" altLang="ko-KR" sz="3600" dirty="0">
+                <a:latin typeface="+mj-lt"/>
+              </a:rPr>
+              <a:t>97300 inst.</a:t>
+            </a:r>
+            <a:endParaRPr lang="ko-KR" altLang="en-US" sz="3600" dirty="0">
+              <a:latin typeface="+mj-lt"/>
+            </a:endParaRPr>
           </a:p>
         </p:txBody>
       </p:sp>
@@ -3850,7 +3918,7 @@
           <p:cNvPr id="2" name="TextBox 1">
             <a:extLst>
               <a:ext uri="{FF2B5EF4-FFF2-40B4-BE49-F238E27FC236}">
-                <a16:creationId xmlns:a16="http://schemas.microsoft.com/office/drawing/2014/main" xmlns="" id="{67EAEC36-3C55-4BCA-8DC1-E45A1145A46F}"/>
+                <a16:creationId xmlns:a16="http://schemas.microsoft.com/office/drawing/2014/main" id="{67EAEC36-3C55-4BCA-8DC1-E45A1145A46F}"/>
               </a:ext>
             </a:extLst>
           </p:cNvPr>
@@ -3914,7 +3982,7 @@
           <p:cNvPr id="3" name="TextBox 2">
             <a:extLst>
               <a:ext uri="{FF2B5EF4-FFF2-40B4-BE49-F238E27FC236}">
-                <a16:creationId xmlns:a16="http://schemas.microsoft.com/office/drawing/2014/main" xmlns="" id="{D1894AB7-5E15-403A-9DDA-E67B50E52878}"/>
+                <a16:creationId xmlns:a16="http://schemas.microsoft.com/office/drawing/2014/main" id="{D1894AB7-5E15-403A-9DDA-E67B50E52878}"/>
               </a:ext>
             </a:extLst>
           </p:cNvPr>
@@ -3955,7 +4023,7 @@
           <p:cNvPr id="6" name="TextBox 5">
             <a:extLst>
               <a:ext uri="{FF2B5EF4-FFF2-40B4-BE49-F238E27FC236}">
-                <a16:creationId xmlns:a16="http://schemas.microsoft.com/office/drawing/2014/main" xmlns="" id="{0410E3A6-044C-4713-922A-191150C50258}"/>
+                <a16:creationId xmlns:a16="http://schemas.microsoft.com/office/drawing/2014/main" id="{0410E3A6-044C-4713-922A-191150C50258}"/>
               </a:ext>
             </a:extLst>
           </p:cNvPr>
@@ -3995,10 +4063,10 @@
           <p:cNvPr id="9" name="표 8">
             <a:extLst>
               <a:ext uri="{FF2B5EF4-FFF2-40B4-BE49-F238E27FC236}">
-                <a16:creationId xmlns:a16="http://schemas.microsoft.com/office/drawing/2014/main" xmlns="" id="{0ECA806A-036D-483D-A361-43C8098528B9}"/>
+                <a16:creationId xmlns:a16="http://schemas.microsoft.com/office/drawing/2014/main" id="{0ECA806A-036D-483D-A361-43C8098528B9}"/>
               </a:ext>
               <a:ext uri="{C183D7F6-B498-43B3-948B-1728B52AA6E4}">
-                <adec:decorative xmlns:adec="http://schemas.microsoft.com/office/drawing/2017/decorative" xmlns="" val="0"/>
+                <adec:decorative xmlns:adec="http://schemas.microsoft.com/office/drawing/2017/decorative" val="0"/>
               </a:ext>
             </a:extLst>
           </p:cNvPr>
@@ -4008,7 +4076,7 @@
           <p:nvPr>
             <p:extLst>
               <p:ext uri="{D42A27DB-BD31-4B8C-83A1-F6EECF244321}">
-                <p14:modId xmlns:p14="http://schemas.microsoft.com/office/powerpoint/2010/main" val="4043393055"/>
+                <p14:modId xmlns:p14="http://schemas.microsoft.com/office/powerpoint/2010/main" val="1365827354"/>
               </p:ext>
             </p:extLst>
           </p:nvPr>
@@ -4027,14 +4095,14 @@
                 <a:gridCol w="3061555">
                   <a:extLst>
                     <a:ext uri="{9D8B030D-6E8A-4147-A177-3AD203B41FA5}">
-                      <a16:colId xmlns:a16="http://schemas.microsoft.com/office/drawing/2014/main" xmlns="" val="645659320"/>
+                      <a16:colId xmlns:a16="http://schemas.microsoft.com/office/drawing/2014/main" val="645659320"/>
                     </a:ext>
                   </a:extLst>
                 </a:gridCol>
                 <a:gridCol w="3061555">
                   <a:extLst>
                     <a:ext uri="{9D8B030D-6E8A-4147-A177-3AD203B41FA5}">
-                      <a16:colId xmlns:a16="http://schemas.microsoft.com/office/drawing/2014/main" xmlns="" val="947593591"/>
+                      <a16:colId xmlns:a16="http://schemas.microsoft.com/office/drawing/2014/main" val="947593591"/>
                     </a:ext>
                   </a:extLst>
                 </a:gridCol>
@@ -4072,7 +4140,7 @@
                 </a:tc>
                 <a:extLst>
                   <a:ext uri="{0D108BD9-81ED-4DB2-BD59-A6C34878D82A}">
-                    <a16:rowId xmlns:a16="http://schemas.microsoft.com/office/drawing/2014/main" xmlns="" val="3572814062"/>
+                    <a16:rowId xmlns:a16="http://schemas.microsoft.com/office/drawing/2014/main" val="3572814062"/>
                   </a:ext>
                 </a:extLst>
               </a:tr>
@@ -4099,17 +4167,17 @@
                     <a:p>
                       <a:pPr latinLnBrk="1"/>
                       <a:r>
-                        <a:rPr lang="en-US" altLang="ko-KR" dirty="0"/>
+                        <a:rPr lang="en-US" altLang="ko-KR" b="1" dirty="0"/>
                         <a:t>64600 inst.</a:t>
                       </a:r>
-                      <a:endParaRPr lang="ko-KR" altLang="en-US" dirty="0"/>
+                      <a:endParaRPr lang="ko-KR" altLang="en-US" b="1" dirty="0"/>
                     </a:p>
                   </a:txBody>
                   <a:tcPr/>
                 </a:tc>
                 <a:extLst>
                   <a:ext uri="{0D108BD9-81ED-4DB2-BD59-A6C34878D82A}">
-                    <a16:rowId xmlns:a16="http://schemas.microsoft.com/office/drawing/2014/main" xmlns="" val="2359362197"/>
+                    <a16:rowId xmlns:a16="http://schemas.microsoft.com/office/drawing/2014/main" val="2359362197"/>
                   </a:ext>
                 </a:extLst>
               </a:tr>
@@ -4122,7 +4190,7 @@
           <p:cNvPr id="11" name="그림 10">
             <a:extLst>
               <a:ext uri="{FF2B5EF4-FFF2-40B4-BE49-F238E27FC236}">
-                <a16:creationId xmlns:a16="http://schemas.microsoft.com/office/drawing/2014/main" xmlns="" id="{67EE50F5-4297-4830-8F2A-5067DC1AA488}"/>
+                <a16:creationId xmlns:a16="http://schemas.microsoft.com/office/drawing/2014/main" id="{67EE50F5-4297-4830-8F2A-5067DC1AA488}"/>
               </a:ext>
             </a:extLst>
           </p:cNvPr>
@@ -4150,7 +4218,7 @@
           <p:cNvPr id="12" name="TextBox 11">
             <a:extLst>
               <a:ext uri="{FF2B5EF4-FFF2-40B4-BE49-F238E27FC236}">
-                <a16:creationId xmlns:a16="http://schemas.microsoft.com/office/drawing/2014/main" xmlns="" id="{3D8C6BC8-DCC7-4779-91CE-FA348E5EE0C5}"/>
+                <a16:creationId xmlns:a16="http://schemas.microsoft.com/office/drawing/2014/main" id="{3D8C6BC8-DCC7-4779-91CE-FA348E5EE0C5}"/>
               </a:ext>
             </a:extLst>
           </p:cNvPr>
@@ -4203,7 +4271,7 @@
           <p:cNvPr id="13" name="TextBox 12">
             <a:extLst>
               <a:ext uri="{FF2B5EF4-FFF2-40B4-BE49-F238E27FC236}">
-                <a16:creationId xmlns:a16="http://schemas.microsoft.com/office/drawing/2014/main" xmlns="" id="{7FF2FE9D-0519-4F53-AB98-58E03D505EF0}"/>
+                <a16:creationId xmlns:a16="http://schemas.microsoft.com/office/drawing/2014/main" id="{7FF2FE9D-0519-4F53-AB98-58E03D505EF0}"/>
               </a:ext>
             </a:extLst>
           </p:cNvPr>
@@ -4239,7 +4307,7 @@
           <p:cNvPr id="14" name="TextBox 13">
             <a:extLst>
               <a:ext uri="{FF2B5EF4-FFF2-40B4-BE49-F238E27FC236}">
-                <a16:creationId xmlns:a16="http://schemas.microsoft.com/office/drawing/2014/main" xmlns="" id="{B9F00A47-EC57-4C56-8A40-D242FFB9CE2D}"/>
+                <a16:creationId xmlns:a16="http://schemas.microsoft.com/office/drawing/2014/main" id="{B9F00A47-EC57-4C56-8A40-D242FFB9CE2D}"/>
               </a:ext>
             </a:extLst>
           </p:cNvPr>
@@ -4275,7 +4343,7 @@
           <p:cNvPr id="20" name="TextBox 19">
             <a:extLst>
               <a:ext uri="{FF2B5EF4-FFF2-40B4-BE49-F238E27FC236}">
-                <a16:creationId xmlns:a16="http://schemas.microsoft.com/office/drawing/2014/main" xmlns="" id="{7B51FB21-B442-46FD-96B9-5F8C500D4697}"/>
+                <a16:creationId xmlns:a16="http://schemas.microsoft.com/office/drawing/2014/main" id="{7B51FB21-B442-46FD-96B9-5F8C500D4697}"/>
               </a:ext>
             </a:extLst>
           </p:cNvPr>
@@ -4316,7 +4384,7 @@
           <p:cNvPr id="21" name="TextBox 20">
             <a:extLst>
               <a:ext uri="{FF2B5EF4-FFF2-40B4-BE49-F238E27FC236}">
-                <a16:creationId xmlns:a16="http://schemas.microsoft.com/office/drawing/2014/main" xmlns="" id="{06C23211-123D-41CE-B695-721155E3AB9A}"/>
+                <a16:creationId xmlns:a16="http://schemas.microsoft.com/office/drawing/2014/main" id="{06C23211-123D-41CE-B695-721155E3AB9A}"/>
               </a:ext>
             </a:extLst>
           </p:cNvPr>
@@ -4368,7 +4436,7 @@
           <p:cNvPr id="16" name="TextBox 15">
             <a:extLst>
               <a:ext uri="{FF2B5EF4-FFF2-40B4-BE49-F238E27FC236}">
-                <a16:creationId xmlns:a16="http://schemas.microsoft.com/office/drawing/2014/main" xmlns="" id="{0410E3A6-044C-4713-922A-191150C50258}"/>
+                <a16:creationId xmlns:a16="http://schemas.microsoft.com/office/drawing/2014/main" id="{0410E3A6-044C-4713-922A-191150C50258}"/>
               </a:ext>
             </a:extLst>
           </p:cNvPr>
@@ -4392,7 +4460,7 @@
           <a:lstStyle/>
           <a:p>
             <a:r>
-              <a:rPr lang="en-US" altLang="ko-KR" dirty="0" smtClean="0">
+              <a:rPr lang="en-US" altLang="ko-KR" dirty="0">
                 <a:latin typeface="+mj-lt"/>
               </a:rPr>
               <a:t>Review</a:t>
@@ -4408,7 +4476,7 @@
           <p:cNvPr id="17" name="TextBox 16">
             <a:extLst>
               <a:ext uri="{FF2B5EF4-FFF2-40B4-BE49-F238E27FC236}">
-                <a16:creationId xmlns:a16="http://schemas.microsoft.com/office/drawing/2014/main" xmlns="" id="{B9F00A47-EC57-4C56-8A40-D242FFB9CE2D}"/>
+                <a16:creationId xmlns:a16="http://schemas.microsoft.com/office/drawing/2014/main" id="{B9F00A47-EC57-4C56-8A40-D242FFB9CE2D}"/>
               </a:ext>
             </a:extLst>
           </p:cNvPr>
@@ -4432,7 +4500,7 @@
           <a:lstStyle/>
           <a:p>
             <a:r>
-              <a:rPr lang="en-US" altLang="ko-KR" dirty="0" smtClean="0"/>
+              <a:rPr lang="en-US" altLang="ko-KR" dirty="0"/>
               <a:t>Backtracking algorithm pruning the unnecessary path, reduced the instruction by 2/3. Optimizing algorithm is most important.</a:t>
             </a:r>
             <a:endParaRPr lang="ko-KR" altLang="en-US" dirty="0"/>

--- a/team20_phase3_slide+proj_arch.pptx
+++ b/team20_phase3_slide+proj_arch.pptx
@@ -260,7 +260,7 @@
           <a:p>
             <a:fld id="{DDE86182-4FA7-44E1-9009-0C2EA3AFD44B}" type="datetimeFigureOut">
               <a:rPr lang="ko-KR" altLang="en-US" smtClean="0"/>
-              <a:t>2019-06-10</a:t>
+              <a:t>2019-06-11</a:t>
             </a:fld>
             <a:endParaRPr lang="ko-KR" altLang="en-US"/>
           </a:p>
@@ -458,7 +458,7 @@
           <a:p>
             <a:fld id="{DDE86182-4FA7-44E1-9009-0C2EA3AFD44B}" type="datetimeFigureOut">
               <a:rPr lang="ko-KR" altLang="en-US" smtClean="0"/>
-              <a:t>2019-06-10</a:t>
+              <a:t>2019-06-11</a:t>
             </a:fld>
             <a:endParaRPr lang="ko-KR" altLang="en-US"/>
           </a:p>
@@ -666,7 +666,7 @@
           <a:p>
             <a:fld id="{DDE86182-4FA7-44E1-9009-0C2EA3AFD44B}" type="datetimeFigureOut">
               <a:rPr lang="ko-KR" altLang="en-US" smtClean="0"/>
-              <a:t>2019-06-10</a:t>
+              <a:t>2019-06-11</a:t>
             </a:fld>
             <a:endParaRPr lang="ko-KR" altLang="en-US"/>
           </a:p>
@@ -864,7 +864,7 @@
           <a:p>
             <a:fld id="{DDE86182-4FA7-44E1-9009-0C2EA3AFD44B}" type="datetimeFigureOut">
               <a:rPr lang="ko-KR" altLang="en-US" smtClean="0"/>
-              <a:t>2019-06-10</a:t>
+              <a:t>2019-06-11</a:t>
             </a:fld>
             <a:endParaRPr lang="ko-KR" altLang="en-US"/>
           </a:p>
@@ -1139,7 +1139,7 @@
           <a:p>
             <a:fld id="{DDE86182-4FA7-44E1-9009-0C2EA3AFD44B}" type="datetimeFigureOut">
               <a:rPr lang="ko-KR" altLang="en-US" smtClean="0"/>
-              <a:t>2019-06-10</a:t>
+              <a:t>2019-06-11</a:t>
             </a:fld>
             <a:endParaRPr lang="ko-KR" altLang="en-US"/>
           </a:p>
@@ -1404,7 +1404,7 @@
           <a:p>
             <a:fld id="{DDE86182-4FA7-44E1-9009-0C2EA3AFD44B}" type="datetimeFigureOut">
               <a:rPr lang="ko-KR" altLang="en-US" smtClean="0"/>
-              <a:t>2019-06-10</a:t>
+              <a:t>2019-06-11</a:t>
             </a:fld>
             <a:endParaRPr lang="ko-KR" altLang="en-US"/>
           </a:p>
@@ -1816,7 +1816,7 @@
           <a:p>
             <a:fld id="{DDE86182-4FA7-44E1-9009-0C2EA3AFD44B}" type="datetimeFigureOut">
               <a:rPr lang="ko-KR" altLang="en-US" smtClean="0"/>
-              <a:t>2019-06-10</a:t>
+              <a:t>2019-06-11</a:t>
             </a:fld>
             <a:endParaRPr lang="ko-KR" altLang="en-US"/>
           </a:p>
@@ -1957,7 +1957,7 @@
           <a:p>
             <a:fld id="{DDE86182-4FA7-44E1-9009-0C2EA3AFD44B}" type="datetimeFigureOut">
               <a:rPr lang="ko-KR" altLang="en-US" smtClean="0"/>
-              <a:t>2019-06-10</a:t>
+              <a:t>2019-06-11</a:t>
             </a:fld>
             <a:endParaRPr lang="ko-KR" altLang="en-US"/>
           </a:p>
@@ -2070,7 +2070,7 @@
           <a:p>
             <a:fld id="{DDE86182-4FA7-44E1-9009-0C2EA3AFD44B}" type="datetimeFigureOut">
               <a:rPr lang="ko-KR" altLang="en-US" smtClean="0"/>
-              <a:t>2019-06-10</a:t>
+              <a:t>2019-06-11</a:t>
             </a:fld>
             <a:endParaRPr lang="ko-KR" altLang="en-US"/>
           </a:p>
@@ -2381,7 +2381,7 @@
           <a:p>
             <a:fld id="{DDE86182-4FA7-44E1-9009-0C2EA3AFD44B}" type="datetimeFigureOut">
               <a:rPr lang="ko-KR" altLang="en-US" smtClean="0"/>
-              <a:t>2019-06-10</a:t>
+              <a:t>2019-06-11</a:t>
             </a:fld>
             <a:endParaRPr lang="ko-KR" altLang="en-US"/>
           </a:p>
@@ -2669,7 +2669,7 @@
           <a:p>
             <a:fld id="{DDE86182-4FA7-44E1-9009-0C2EA3AFD44B}" type="datetimeFigureOut">
               <a:rPr lang="ko-KR" altLang="en-US" smtClean="0"/>
-              <a:t>2019-06-10</a:t>
+              <a:t>2019-06-11</a:t>
             </a:fld>
             <a:endParaRPr lang="ko-KR" altLang="en-US"/>
           </a:p>
@@ -2910,7 +2910,7 @@
           <a:p>
             <a:fld id="{DDE86182-4FA7-44E1-9009-0C2EA3AFD44B}" type="datetimeFigureOut">
               <a:rPr lang="ko-KR" altLang="en-US" smtClean="0"/>
-              <a:t>2019-06-10</a:t>
+              <a:t>2019-06-11</a:t>
             </a:fld>
             <a:endParaRPr lang="ko-KR" altLang="en-US"/>
           </a:p>
@@ -3424,7 +3424,7 @@
               <a:rPr lang="en-US" altLang="ko-KR" sz="1400" dirty="0">
                 <a:latin typeface="+mj-lt"/>
               </a:rPr>
-              <a:t>Computer Architecture 2019 Spring: Course Project</a:t>
+              <a:t>Computer Architecture Spring 2019: Course Project</a:t>
             </a:r>
             <a:endParaRPr lang="ko-KR" altLang="en-US" sz="1400" dirty="0">
               <a:latin typeface="+mj-lt"/>
@@ -3745,7 +3745,7 @@
               <a:rPr lang="en-US" altLang="ko-KR" sz="1400" dirty="0">
                 <a:latin typeface="+mj-lt"/>
               </a:rPr>
-              <a:t>Depart of Software, </a:t>
+              <a:t>Dept. of Software, </a:t>
             </a:r>
             <a:r>
               <a:rPr lang="en-US" altLang="ko-KR" sz="1400" dirty="0" err="1">
@@ -4010,7 +4010,7 @@
               <a:rPr lang="en-US" altLang="ko-KR" sz="1400" dirty="0">
                 <a:latin typeface="+mj-lt"/>
               </a:rPr>
-              <a:t>Computer Architecture 2019 Spring: Course Project</a:t>
+              <a:t>Computer Architecture Spring 2019: Course Project</a:t>
             </a:r>
             <a:endParaRPr lang="ko-KR" altLang="en-US" sz="1400" dirty="0">
               <a:latin typeface="+mj-lt"/>
@@ -4033,7 +4033,7 @@
         <p:spPr>
           <a:xfrm>
             <a:off x="553427" y="1475109"/>
-            <a:ext cx="5403850" cy="369332"/>
+            <a:ext cx="5403850" cy="400110"/>
           </a:xfrm>
           <a:prstGeom prst="rect">
             <a:avLst/>
@@ -4047,12 +4047,12 @@
           <a:lstStyle/>
           <a:p>
             <a:r>
-              <a:rPr lang="en-US" altLang="ko-KR" dirty="0">
+              <a:rPr lang="en-US" altLang="ko-KR" sz="2000" dirty="0">
                 <a:latin typeface="+mj-lt"/>
               </a:rPr>
               <a:t>Simulation Result</a:t>
             </a:r>
-            <a:endParaRPr lang="ko-KR" altLang="en-US" dirty="0">
+            <a:endParaRPr lang="ko-KR" altLang="en-US" sz="2000" dirty="0">
               <a:latin typeface="+mj-lt"/>
             </a:endParaRPr>
           </a:p>
@@ -4280,7 +4280,7 @@
         </p:nvSpPr>
         <p:spPr>
           <a:xfrm>
-            <a:off x="7062177" y="5131233"/>
+            <a:off x="7073900" y="5030158"/>
             <a:ext cx="3194050" cy="276999"/>
           </a:xfrm>
           <a:prstGeom prst="rect">
@@ -4411,7 +4411,7 @@
               <a:rPr lang="en-US" altLang="ko-KR" sz="1400" dirty="0">
                 <a:latin typeface="+mj-lt"/>
               </a:rPr>
-              <a:t>Depart of Software, </a:t>
+              <a:t>Dept. of Software, </a:t>
             </a:r>
             <a:r>
               <a:rPr lang="en-US" altLang="ko-KR" sz="1400" dirty="0" err="1">
@@ -4446,7 +4446,7 @@
         <p:spPr>
           <a:xfrm>
             <a:off x="6086719" y="2107212"/>
-            <a:ext cx="5403850" cy="369332"/>
+            <a:ext cx="5403850" cy="400110"/>
           </a:xfrm>
           <a:prstGeom prst="rect">
             <a:avLst/>
@@ -4460,12 +4460,12 @@
           <a:lstStyle/>
           <a:p>
             <a:r>
-              <a:rPr lang="en-US" altLang="ko-KR" dirty="0">
+              <a:rPr lang="en-US" altLang="ko-KR" sz="2000" dirty="0">
                 <a:latin typeface="+mj-lt"/>
               </a:rPr>
               <a:t>Review</a:t>
             </a:r>
-            <a:endParaRPr lang="ko-KR" altLang="en-US" dirty="0">
+            <a:endParaRPr lang="ko-KR" altLang="en-US" sz="2000" dirty="0">
               <a:latin typeface="+mj-lt"/>
             </a:endParaRPr>
           </a:p>
